--- a/Hadoop/Hadoop学习笔记.pptx
+++ b/Hadoop/Hadoop学习笔记.pptx
@@ -5,17 +5,30 @@
     <p:sldMasterId id="2147483648" r:id="rId1"/>
   </p:sldMasterIdLst>
   <p:notesMasterIdLst>
-    <p:notesMasterId r:id="rId6"/>
+    <p:notesMasterId r:id="rId18"/>
   </p:notesMasterIdLst>
   <p:sldIdLst>
     <p:sldId id="256" r:id="rId3"/>
     <p:sldId id="257" r:id="rId4"/>
-    <p:sldId id="258" r:id="rId5"/>
-    <p:sldId id="261" r:id="rId7"/>
-    <p:sldId id="260" r:id="rId8"/>
-    <p:sldId id="262" r:id="rId9"/>
-    <p:sldId id="259" r:id="rId10"/>
-    <p:sldId id="263" r:id="rId11"/>
+    <p:sldId id="267" r:id="rId5"/>
+    <p:sldId id="276" r:id="rId6"/>
+    <p:sldId id="274" r:id="rId7"/>
+    <p:sldId id="279" r:id="rId8"/>
+    <p:sldId id="278" r:id="rId9"/>
+    <p:sldId id="275" r:id="rId10"/>
+    <p:sldId id="277" r:id="rId11"/>
+    <p:sldId id="268" r:id="rId12"/>
+    <p:sldId id="269" r:id="rId13"/>
+    <p:sldId id="270" r:id="rId14"/>
+    <p:sldId id="271" r:id="rId15"/>
+    <p:sldId id="273" r:id="rId16"/>
+    <p:sldId id="258" r:id="rId17"/>
+    <p:sldId id="261" r:id="rId19"/>
+    <p:sldId id="260" r:id="rId20"/>
+    <p:sldId id="266" r:id="rId21"/>
+    <p:sldId id="262" r:id="rId22"/>
+    <p:sldId id="259" r:id="rId23"/>
+    <p:sldId id="263" r:id="rId24"/>
   </p:sldIdLst>
   <p:sldSz cx="12192000" cy="6858000"/>
   <p:notesSz cx="6858000" cy="9144000"/>
@@ -3379,7 +3392,7 @@
 </p:sld>
 </file>
 
-<file path=ppt/slides/slide2.xml><?xml version="1.0" encoding="utf-8"?>
+<file path=ppt/slides/slide10.xml><?xml version="1.0" encoding="utf-8"?>
 <p:sld xmlns:a="http://schemas.openxmlformats.org/drawingml/2006/main" xmlns:r="http://schemas.openxmlformats.org/officeDocument/2006/relationships" xmlns:p="http://schemas.openxmlformats.org/presentationml/2006/main">
   <p:cSld>
     <p:spTree>
@@ -3403,6 +3416,10 @@
         <p:txBody>
           <a:bodyPr/>
           <a:p>
+            <a:r>
+              <a:rPr lang="zh-CN" altLang="en-US"/>
+              <a:t>验证</a:t>
+            </a:r>
             <a:endParaRPr lang="zh-CN" altLang="en-US"/>
           </a:p>
         </p:txBody>
@@ -3421,11 +3438,7 @@
         <p:txBody>
           <a:bodyPr/>
           <a:p>
-            <a:r>
-              <a:rPr lang="en-US" altLang="zh-CN"/>
-              <a:t>MapReduce+HDFS</a:t>
-            </a:r>
-            <a:endParaRPr lang="en-US" altLang="zh-CN"/>
+            <a:endParaRPr lang="zh-CN" altLang="en-US"/>
           </a:p>
         </p:txBody>
       </p:sp>
@@ -3437,7 +3450,277 @@
 </p:sld>
 </file>
 
-<file path=ppt/slides/slide3.xml><?xml version="1.0" encoding="utf-8"?>
+<file path=ppt/slides/slide11.xml><?xml version="1.0" encoding="utf-8"?>
+<p:sld xmlns:a="http://schemas.openxmlformats.org/drawingml/2006/main" xmlns:r="http://schemas.openxmlformats.org/officeDocument/2006/relationships" xmlns:p="http://schemas.openxmlformats.org/presentationml/2006/main">
+  <p:cSld>
+    <p:spTree>
+      <p:nvGrpSpPr>
+        <p:cNvPr id="1" name=""/>
+        <p:cNvGrpSpPr/>
+        <p:nvPr/>
+      </p:nvGrpSpPr>
+      <p:grpSpPr/>
+      <p:sp>
+        <p:nvSpPr>
+          <p:cNvPr id="2" name="标题 1"/>
+          <p:cNvSpPr>
+            <a:spLocks noGrp="1"/>
+          </p:cNvSpPr>
+          <p:nvPr>
+            <p:ph type="title"/>
+          </p:nvPr>
+        </p:nvSpPr>
+        <p:spPr/>
+        <p:txBody>
+          <a:bodyPr/>
+          <a:p>
+            <a:r>
+              <a:rPr lang="zh-CN" altLang="en-US"/>
+              <a:t>常用命令</a:t>
+            </a:r>
+            <a:endParaRPr lang="zh-CN" altLang="en-US"/>
+          </a:p>
+        </p:txBody>
+      </p:sp>
+      <p:sp>
+        <p:nvSpPr>
+          <p:cNvPr id="3" name="内容占位符 2"/>
+          <p:cNvSpPr>
+            <a:spLocks noGrp="1"/>
+          </p:cNvSpPr>
+          <p:nvPr>
+            <p:ph idx="1"/>
+          </p:nvPr>
+        </p:nvSpPr>
+        <p:spPr/>
+        <p:txBody>
+          <a:bodyPr/>
+          <a:p>
+            <a:endParaRPr lang="zh-CN" altLang="en-US"/>
+          </a:p>
+        </p:txBody>
+      </p:sp>
+    </p:spTree>
+  </p:cSld>
+  <p:clrMapOvr>
+    <a:masterClrMapping/>
+  </p:clrMapOvr>
+</p:sld>
+</file>
+
+<file path=ppt/slides/slide12.xml><?xml version="1.0" encoding="utf-8"?>
+<p:sld xmlns:a="http://schemas.openxmlformats.org/drawingml/2006/main" xmlns:r="http://schemas.openxmlformats.org/officeDocument/2006/relationships" xmlns:p="http://schemas.openxmlformats.org/presentationml/2006/main">
+  <p:cSld>
+    <p:spTree>
+      <p:nvGrpSpPr>
+        <p:cNvPr id="1" name=""/>
+        <p:cNvGrpSpPr/>
+        <p:nvPr/>
+      </p:nvGrpSpPr>
+      <p:grpSpPr/>
+      <p:sp>
+        <p:nvSpPr>
+          <p:cNvPr id="2" name="标题 1"/>
+          <p:cNvSpPr>
+            <a:spLocks noGrp="1"/>
+          </p:cNvSpPr>
+          <p:nvPr>
+            <p:ph type="title"/>
+          </p:nvPr>
+        </p:nvSpPr>
+        <p:spPr/>
+        <p:txBody>
+          <a:bodyPr/>
+          <a:p>
+            <a:r>
+              <a:rPr lang="zh-CN" altLang="en-US"/>
+              <a:t>常用</a:t>
+            </a:r>
+            <a:r>
+              <a:rPr lang="en-US" altLang="zh-CN"/>
+              <a:t>API</a:t>
+            </a:r>
+            <a:endParaRPr lang="en-US" altLang="zh-CN"/>
+          </a:p>
+        </p:txBody>
+      </p:sp>
+      <p:sp>
+        <p:nvSpPr>
+          <p:cNvPr id="3" name="内容占位符 2"/>
+          <p:cNvSpPr>
+            <a:spLocks noGrp="1"/>
+          </p:cNvSpPr>
+          <p:nvPr>
+            <p:ph idx="1"/>
+          </p:nvPr>
+        </p:nvSpPr>
+        <p:spPr/>
+        <p:txBody>
+          <a:bodyPr/>
+          <a:p>
+            <a:endParaRPr lang="zh-CN" altLang="en-US"/>
+          </a:p>
+        </p:txBody>
+      </p:sp>
+    </p:spTree>
+  </p:cSld>
+  <p:clrMapOvr>
+    <a:masterClrMapping/>
+  </p:clrMapOvr>
+</p:sld>
+</file>
+
+<file path=ppt/slides/slide13.xml><?xml version="1.0" encoding="utf-8"?>
+<p:sld xmlns:a="http://schemas.openxmlformats.org/drawingml/2006/main" xmlns:r="http://schemas.openxmlformats.org/officeDocument/2006/relationships" xmlns:p="http://schemas.openxmlformats.org/presentationml/2006/main">
+  <p:cSld>
+    <p:spTree>
+      <p:nvGrpSpPr>
+        <p:cNvPr id="1" name=""/>
+        <p:cNvGrpSpPr/>
+        <p:nvPr/>
+      </p:nvGrpSpPr>
+      <p:grpSpPr/>
+      <p:sp>
+        <p:nvSpPr>
+          <p:cNvPr id="2" name="标题 1"/>
+          <p:cNvSpPr>
+            <a:spLocks noGrp="1"/>
+          </p:cNvSpPr>
+          <p:nvPr>
+            <p:ph type="title"/>
+          </p:nvPr>
+        </p:nvSpPr>
+        <p:spPr/>
+        <p:txBody>
+          <a:bodyPr/>
+          <a:p>
+            <a:r>
+              <a:rPr lang="en-US" altLang="zh-CN"/>
+              <a:t>MR</a:t>
+            </a:r>
+            <a:r>
+              <a:rPr lang="zh-CN" altLang="en-US"/>
+              <a:t>例子</a:t>
+            </a:r>
+            <a:endParaRPr lang="zh-CN" altLang="en-US"/>
+          </a:p>
+        </p:txBody>
+      </p:sp>
+      <p:sp>
+        <p:nvSpPr>
+          <p:cNvPr id="3" name="内容占位符 2"/>
+          <p:cNvSpPr>
+            <a:spLocks noGrp="1"/>
+          </p:cNvSpPr>
+          <p:nvPr>
+            <p:ph idx="1"/>
+          </p:nvPr>
+        </p:nvSpPr>
+        <p:spPr/>
+        <p:txBody>
+          <a:bodyPr/>
+          <a:p>
+            <a:endParaRPr lang="zh-CN" altLang="en-US"/>
+          </a:p>
+        </p:txBody>
+      </p:sp>
+    </p:spTree>
+  </p:cSld>
+  <p:clrMapOvr>
+    <a:masterClrMapping/>
+  </p:clrMapOvr>
+</p:sld>
+</file>
+
+<file path=ppt/slides/slide14.xml><?xml version="1.0" encoding="utf-8"?>
+<p:sld xmlns:a="http://schemas.openxmlformats.org/drawingml/2006/main" xmlns:r="http://schemas.openxmlformats.org/officeDocument/2006/relationships" xmlns:p="http://schemas.openxmlformats.org/presentationml/2006/main">
+  <p:cSld>
+    <p:spTree>
+      <p:nvGrpSpPr>
+        <p:cNvPr id="1" name=""/>
+        <p:cNvGrpSpPr/>
+        <p:nvPr/>
+      </p:nvGrpSpPr>
+      <p:grpSpPr/>
+      <p:sp>
+        <p:nvSpPr>
+          <p:cNvPr id="2" name="标题 1"/>
+          <p:cNvSpPr>
+            <a:spLocks noGrp="1"/>
+          </p:cNvSpPr>
+          <p:nvPr>
+            <p:ph type="title"/>
+          </p:nvPr>
+        </p:nvSpPr>
+        <p:spPr/>
+        <p:txBody>
+          <a:bodyPr/>
+          <a:p>
+            <a:r>
+              <a:rPr lang="zh-CN" altLang="en-US"/>
+              <a:t>原理篇</a:t>
+            </a:r>
+            <a:endParaRPr lang="zh-CN" altLang="en-US"/>
+          </a:p>
+        </p:txBody>
+      </p:sp>
+      <p:sp>
+        <p:nvSpPr>
+          <p:cNvPr id="3" name="内容占位符 2"/>
+          <p:cNvSpPr>
+            <a:spLocks noGrp="1"/>
+          </p:cNvSpPr>
+          <p:nvPr>
+            <p:ph idx="1"/>
+          </p:nvPr>
+        </p:nvSpPr>
+        <p:spPr/>
+        <p:txBody>
+          <a:bodyPr/>
+          <a:p>
+            <a:r>
+              <a:rPr lang="en-US" altLang="zh-CN"/>
+              <a:t>HDFS</a:t>
+            </a:r>
+            <a:r>
+              <a:rPr lang="zh-CN" altLang="zh-CN"/>
+              <a:t>架构</a:t>
+            </a:r>
+            <a:endParaRPr lang="zh-CN" altLang="zh-CN"/>
+          </a:p>
+          <a:p>
+            <a:r>
+              <a:rPr lang="en-US" altLang="zh-CN"/>
+              <a:t>MR</a:t>
+            </a:r>
+            <a:r>
+              <a:rPr lang="zh-CN" altLang="en-US"/>
+              <a:t>流程</a:t>
+            </a:r>
+            <a:endParaRPr lang="zh-CN" altLang="en-US"/>
+          </a:p>
+          <a:p>
+            <a:r>
+              <a:rPr lang="en-US" altLang="zh-CN"/>
+              <a:t>Yarn</a:t>
+            </a:r>
+            <a:r>
+              <a:rPr lang="zh-CN" altLang="en-US"/>
+              <a:t>架构</a:t>
+            </a:r>
+            <a:endParaRPr lang="zh-CN" altLang="en-US"/>
+          </a:p>
+        </p:txBody>
+      </p:sp>
+    </p:spTree>
+  </p:cSld>
+  <p:clrMapOvr>
+    <a:masterClrMapping/>
+  </p:clrMapOvr>
+</p:sld>
+</file>
+
+<file path=ppt/slides/slide15.xml><?xml version="1.0" encoding="utf-8"?>
 <p:sld xmlns:a="http://schemas.openxmlformats.org/drawingml/2006/main" xmlns:r="http://schemas.openxmlformats.org/officeDocument/2006/relationships" xmlns:p="http://schemas.openxmlformats.org/presentationml/2006/main">
   <p:cSld>
     <p:spTree>
@@ -3492,7 +3775,7 @@
         <p:spPr>
           <a:xfrm>
             <a:off x="838200" y="1691005"/>
-            <a:ext cx="6296660" cy="4351655"/>
+            <a:ext cx="6296660" cy="4742815"/>
           </a:xfrm>
           <a:prstGeom prst="rect">
             <a:avLst/>
@@ -3507,7 +3790,7 @@
 </p:sld>
 </file>
 
-<file path=ppt/slides/slide4.xml><?xml version="1.0" encoding="utf-8"?>
+<file path=ppt/slides/slide16.xml><?xml version="1.0" encoding="utf-8"?>
 <p:sld xmlns:a="http://schemas.openxmlformats.org/drawingml/2006/main" xmlns:r="http://schemas.openxmlformats.org/officeDocument/2006/relationships" xmlns:p="http://schemas.openxmlformats.org/presentationml/2006/main">
   <p:cSld>
     <p:spTree>
@@ -3571,6 +3854,1097 @@
 </p:sld>
 </file>
 
+<file path=ppt/slides/slide17.xml><?xml version="1.0" encoding="utf-8"?>
+<p:sld xmlns:a="http://schemas.openxmlformats.org/drawingml/2006/main" xmlns:r="http://schemas.openxmlformats.org/officeDocument/2006/relationships" xmlns:p="http://schemas.openxmlformats.org/presentationml/2006/main">
+  <p:cSld>
+    <p:spTree>
+      <p:nvGrpSpPr>
+        <p:cNvPr id="1" name=""/>
+        <p:cNvGrpSpPr/>
+        <p:nvPr/>
+      </p:nvGrpSpPr>
+      <p:grpSpPr/>
+      <p:sp>
+        <p:nvSpPr>
+          <p:cNvPr id="2" name="标题 1"/>
+          <p:cNvSpPr>
+            <a:spLocks noGrp="1"/>
+          </p:cNvSpPr>
+          <p:nvPr>
+            <p:ph type="title"/>
+          </p:nvPr>
+        </p:nvSpPr>
+        <p:spPr>
+          <a:xfrm>
+            <a:off x="363855" y="128270"/>
+            <a:ext cx="10515600" cy="1325563"/>
+          </a:xfrm>
+        </p:spPr>
+        <p:txBody>
+          <a:bodyPr/>
+          <a:p>
+            <a:r>
+              <a:rPr lang="en-US" altLang="zh-CN"/>
+              <a:t>HDFS NameNode HA with QJM</a:t>
+            </a:r>
+            <a:endParaRPr lang="zh-CN" altLang="en-US"/>
+          </a:p>
+        </p:txBody>
+      </p:sp>
+      <p:pic>
+        <p:nvPicPr>
+          <p:cNvPr id="5" name="内容占位符 4"/>
+          <p:cNvPicPr>
+            <a:picLocks noChangeAspect="1"/>
+          </p:cNvPicPr>
+          <p:nvPr>
+            <p:ph idx="1"/>
+          </p:nvPr>
+        </p:nvPicPr>
+        <p:blipFill>
+          <a:blip r:embed="rId1"/>
+          <a:stretch>
+            <a:fillRect/>
+          </a:stretch>
+        </p:blipFill>
+        <p:spPr>
+          <a:xfrm>
+            <a:off x="461645" y="1529080"/>
+            <a:ext cx="5864860" cy="4902200"/>
+          </a:xfrm>
+          <a:prstGeom prst="rect">
+            <a:avLst/>
+          </a:prstGeom>
+        </p:spPr>
+      </p:pic>
+    </p:spTree>
+  </p:cSld>
+  <p:clrMapOvr>
+    <a:masterClrMapping/>
+  </p:clrMapOvr>
+</p:sld>
+</file>
+
+<file path=ppt/slides/slide18.xml><?xml version="1.0" encoding="utf-8"?>
+<p:sld xmlns:a="http://schemas.openxmlformats.org/drawingml/2006/main" xmlns:r="http://schemas.openxmlformats.org/officeDocument/2006/relationships" xmlns:p="http://schemas.openxmlformats.org/presentationml/2006/main">
+  <p:cSld>
+    <p:spTree>
+      <p:nvGrpSpPr>
+        <p:cNvPr id="1" name=""/>
+        <p:cNvGrpSpPr/>
+        <p:nvPr/>
+      </p:nvGrpSpPr>
+      <p:grpSpPr/>
+      <p:sp>
+        <p:nvSpPr>
+          <p:cNvPr id="2" name="标题 1"/>
+          <p:cNvSpPr>
+            <a:spLocks noGrp="1"/>
+          </p:cNvSpPr>
+          <p:nvPr>
+            <p:ph type="title"/>
+          </p:nvPr>
+        </p:nvSpPr>
+        <p:spPr/>
+        <p:txBody>
+          <a:bodyPr>
+            <a:normAutofit/>
+          </a:bodyPr>
+          <a:p>
+            <a:r>
+              <a:rPr lang="en-US" altLang="zh-CN">
+                <a:sym typeface="+mn-ea"/>
+              </a:rPr>
+              <a:t>HDFS NameNode HA with QJM</a:t>
+            </a:r>
+            <a:endParaRPr lang="zh-CN" altLang="en-US"/>
+          </a:p>
+        </p:txBody>
+      </p:sp>
+      <p:pic>
+        <p:nvPicPr>
+          <p:cNvPr id="7" name="内容占位符 6"/>
+          <p:cNvPicPr>
+            <a:picLocks noChangeAspect="1"/>
+          </p:cNvPicPr>
+          <p:nvPr>
+            <p:ph idx="1"/>
+          </p:nvPr>
+        </p:nvPicPr>
+        <p:blipFill>
+          <a:blip r:embed="rId1"/>
+          <a:stretch>
+            <a:fillRect/>
+          </a:stretch>
+        </p:blipFill>
+        <p:spPr>
+          <a:xfrm>
+            <a:off x="579120" y="1751330"/>
+            <a:ext cx="6450965" cy="4821555"/>
+          </a:xfrm>
+          <a:prstGeom prst="rect">
+            <a:avLst/>
+          </a:prstGeom>
+        </p:spPr>
+      </p:pic>
+      <p:sp>
+        <p:nvSpPr>
+          <p:cNvPr id="5" name="文本框 4"/>
+          <p:cNvSpPr txBox="1"/>
+          <p:nvPr/>
+        </p:nvSpPr>
+        <p:spPr>
+          <a:xfrm>
+            <a:off x="7647305" y="1940560"/>
+            <a:ext cx="4107180" cy="1476375"/>
+          </a:xfrm>
+          <a:prstGeom prst="rect">
+            <a:avLst/>
+          </a:prstGeom>
+          <a:noFill/>
+        </p:spPr>
+        <p:txBody>
+          <a:bodyPr wrap="square" rtlCol="0" anchor="t">
+            <a:spAutoFit/>
+          </a:bodyPr>
+          <a:p>
+            <a:pPr marL="285750" indent="-285750">
+              <a:buFont typeface="Wingdings" panose="05000000000000000000" charset="0"/>
+              <a:buChar char=""/>
+            </a:pPr>
+            <a:r>
+              <a:rPr lang="zh-CN" altLang="en-US" b="1"/>
+              <a:t>原理</a:t>
+            </a:r>
+            <a:endParaRPr lang="zh-CN" altLang="en-US" b="1"/>
+          </a:p>
+          <a:p>
+            <a:r>
+              <a:rPr lang="zh-CN" altLang="en-US"/>
+              <a:t>配置一个zookeeper集群，用于ZKFC（DFSZKFailoverController）故障转移，当Active NameNode挂掉了，会自动切换Standby NameNode为standby状态。</a:t>
+            </a:r>
+            <a:endParaRPr lang="zh-CN" altLang="en-US"/>
+          </a:p>
+        </p:txBody>
+      </p:sp>
+    </p:spTree>
+  </p:cSld>
+  <p:clrMapOvr>
+    <a:masterClrMapping/>
+  </p:clrMapOvr>
+</p:sld>
+</file>
+
+<file path=ppt/slides/slide19.xml><?xml version="1.0" encoding="utf-8"?>
+<p:sld xmlns:a="http://schemas.openxmlformats.org/drawingml/2006/main" xmlns:r="http://schemas.openxmlformats.org/officeDocument/2006/relationships" xmlns:p="http://schemas.openxmlformats.org/presentationml/2006/main">
+  <p:cSld>
+    <p:spTree>
+      <p:nvGrpSpPr>
+        <p:cNvPr id="1" name=""/>
+        <p:cNvGrpSpPr/>
+        <p:nvPr/>
+      </p:nvGrpSpPr>
+      <p:grpSpPr/>
+      <p:sp>
+        <p:nvSpPr>
+          <p:cNvPr id="2" name="标题 1"/>
+          <p:cNvSpPr>
+            <a:spLocks noGrp="1"/>
+          </p:cNvSpPr>
+          <p:nvPr>
+            <p:ph type="title"/>
+          </p:nvPr>
+        </p:nvSpPr>
+        <p:spPr/>
+        <p:txBody>
+          <a:bodyPr>
+            <a:normAutofit/>
+          </a:bodyPr>
+          <a:p>
+            <a:r>
+              <a:rPr lang="en-US" altLang="zh-CN">
+                <a:sym typeface="+mn-ea"/>
+              </a:rPr>
+              <a:t>HDFS NameNode HA with NFS</a:t>
+            </a:r>
+            <a:endParaRPr lang="zh-CN" altLang="en-US"/>
+          </a:p>
+        </p:txBody>
+      </p:sp>
+      <p:sp>
+        <p:nvSpPr>
+          <p:cNvPr id="3" name="内容占位符 2"/>
+          <p:cNvSpPr>
+            <a:spLocks noGrp="1"/>
+          </p:cNvSpPr>
+          <p:nvPr>
+            <p:ph idx="1"/>
+          </p:nvPr>
+        </p:nvSpPr>
+        <p:spPr/>
+        <p:txBody>
+          <a:bodyPr/>
+          <a:p>
+            <a:endParaRPr lang="zh-CN" altLang="en-US"/>
+          </a:p>
+        </p:txBody>
+      </p:sp>
+    </p:spTree>
+  </p:cSld>
+  <p:clrMapOvr>
+    <a:masterClrMapping/>
+  </p:clrMapOvr>
+</p:sld>
+</file>
+
+<file path=ppt/slides/slide2.xml><?xml version="1.0" encoding="utf-8"?>
+<p:sld xmlns:a="http://schemas.openxmlformats.org/drawingml/2006/main" xmlns:r="http://schemas.openxmlformats.org/officeDocument/2006/relationships" xmlns:p="http://schemas.openxmlformats.org/presentationml/2006/main">
+  <p:cSld>
+    <p:spTree>
+      <p:nvGrpSpPr>
+        <p:cNvPr id="1" name=""/>
+        <p:cNvGrpSpPr/>
+        <p:nvPr/>
+      </p:nvGrpSpPr>
+      <p:grpSpPr/>
+      <p:sp>
+        <p:nvSpPr>
+          <p:cNvPr id="2" name="标题 1"/>
+          <p:cNvSpPr>
+            <a:spLocks noGrp="1"/>
+          </p:cNvSpPr>
+          <p:nvPr>
+            <p:ph type="title"/>
+          </p:nvPr>
+        </p:nvSpPr>
+        <p:spPr/>
+        <p:txBody>
+          <a:bodyPr/>
+          <a:p>
+            <a:r>
+              <a:rPr lang="en-US" altLang="zh-CN"/>
+              <a:t>what</a:t>
+            </a:r>
+            <a:endParaRPr lang="en-US" altLang="zh-CN"/>
+          </a:p>
+        </p:txBody>
+      </p:sp>
+      <p:sp>
+        <p:nvSpPr>
+          <p:cNvPr id="3" name="内容占位符 2"/>
+          <p:cNvSpPr>
+            <a:spLocks noGrp="1"/>
+          </p:cNvSpPr>
+          <p:nvPr>
+            <p:ph idx="1"/>
+          </p:nvPr>
+        </p:nvSpPr>
+        <p:spPr/>
+        <p:txBody>
+          <a:bodyPr>
+            <a:normAutofit lnSpcReduction="10000"/>
+          </a:bodyPr>
+          <a:p>
+            <a:r>
+              <a:rPr lang="en-US" altLang="zh-CN"/>
+              <a:t>Hadoop</a:t>
+            </a:r>
+            <a:r>
+              <a:rPr lang="zh-CN" altLang="zh-CN"/>
+              <a:t>应用场景：</a:t>
+            </a:r>
+            <a:endParaRPr lang="zh-CN" altLang="zh-CN"/>
+          </a:p>
+          <a:p>
+            <a:pPr>
+              <a:buFont typeface="Wingdings" panose="05000000000000000000" charset="0"/>
+              <a:buChar char=""/>
+            </a:pPr>
+            <a:r>
+              <a:rPr lang="zh-CN" altLang="zh-CN"/>
+              <a:t>离线分析</a:t>
+            </a:r>
+            <a:endParaRPr lang="zh-CN" altLang="zh-CN"/>
+          </a:p>
+          <a:p>
+            <a:pPr>
+              <a:buFont typeface="Wingdings" panose="05000000000000000000" charset="0"/>
+              <a:buChar char=""/>
+            </a:pPr>
+            <a:r>
+              <a:rPr lang="en-US" altLang="zh-CN"/>
+              <a:t>HDFS</a:t>
+            </a:r>
+            <a:r>
+              <a:rPr lang="zh-CN" altLang="zh-CN"/>
+              <a:t>用作</a:t>
+            </a:r>
+            <a:r>
+              <a:rPr lang="en-US" altLang="zh-CN"/>
+              <a:t>HBase/Hive </a:t>
+            </a:r>
+            <a:r>
+              <a:rPr lang="zh-CN" altLang="zh-CN"/>
+              <a:t>的数据存储</a:t>
+            </a:r>
+            <a:endParaRPr lang="zh-CN" altLang="zh-CN"/>
+          </a:p>
+          <a:p>
+            <a:pPr marL="0" indent="0">
+              <a:buNone/>
+            </a:pPr>
+            <a:endParaRPr lang="zh-CN" altLang="zh-CN"/>
+          </a:p>
+          <a:p>
+            <a:pPr marL="0" indent="0">
+              <a:buNone/>
+            </a:pPr>
+            <a:endParaRPr lang="zh-CN" altLang="zh-CN"/>
+          </a:p>
+          <a:p>
+            <a:pPr marL="0" indent="0">
+              <a:buNone/>
+            </a:pPr>
+            <a:endParaRPr lang="zh-CN" altLang="zh-CN"/>
+          </a:p>
+          <a:p>
+            <a:r>
+              <a:rPr lang="zh-CN" altLang="en-US"/>
+              <a:t>主要组件：</a:t>
+            </a:r>
+            <a:r>
+              <a:rPr lang="en-US" altLang="zh-CN"/>
+              <a:t>MapReduce+HDFS+Yarn</a:t>
+            </a:r>
+            <a:endParaRPr lang="en-US" altLang="zh-CN"/>
+          </a:p>
+        </p:txBody>
+      </p:sp>
+    </p:spTree>
+  </p:cSld>
+  <p:clrMapOvr>
+    <a:masterClrMapping/>
+  </p:clrMapOvr>
+</p:sld>
+</file>
+
+<file path=ppt/slides/slide20.xml><?xml version="1.0" encoding="utf-8"?>
+<p:sld xmlns:a="http://schemas.openxmlformats.org/drawingml/2006/main" xmlns:r="http://schemas.openxmlformats.org/officeDocument/2006/relationships" xmlns:p="http://schemas.openxmlformats.org/presentationml/2006/main">
+  <p:cSld>
+    <p:spTree>
+      <p:nvGrpSpPr>
+        <p:cNvPr id="1" name=""/>
+        <p:cNvGrpSpPr/>
+        <p:nvPr/>
+      </p:nvGrpSpPr>
+      <p:grpSpPr/>
+      <p:sp>
+        <p:nvSpPr>
+          <p:cNvPr id="2" name="标题 1"/>
+          <p:cNvSpPr>
+            <a:spLocks noGrp="1"/>
+          </p:cNvSpPr>
+          <p:nvPr>
+            <p:ph type="title"/>
+          </p:nvPr>
+        </p:nvSpPr>
+        <p:spPr/>
+        <p:txBody>
+          <a:bodyPr>
+            <a:normAutofit fontScale="90000"/>
+          </a:bodyPr>
+          <a:p>
+            <a:r>
+              <a:rPr lang="en-US" altLang="zh-CN"/>
+              <a:t>MapReduce</a:t>
+            </a:r>
+            <a:br>
+              <a:rPr lang="en-US" altLang="zh-CN"/>
+            </a:br>
+            <a:endParaRPr lang="en-US" altLang="zh-CN"/>
+          </a:p>
+        </p:txBody>
+      </p:sp>
+      <p:sp>
+        <p:nvSpPr>
+          <p:cNvPr id="3" name="内容占位符 2"/>
+          <p:cNvSpPr>
+            <a:spLocks noGrp="1"/>
+          </p:cNvSpPr>
+          <p:nvPr>
+            <p:ph idx="1"/>
+          </p:nvPr>
+        </p:nvSpPr>
+        <p:spPr/>
+        <p:txBody>
+          <a:bodyPr/>
+          <a:p>
+            <a:endParaRPr lang="zh-CN" altLang="en-US"/>
+          </a:p>
+        </p:txBody>
+      </p:sp>
+    </p:spTree>
+  </p:cSld>
+  <p:clrMapOvr>
+    <a:masterClrMapping/>
+  </p:clrMapOvr>
+</p:sld>
+</file>
+
+<file path=ppt/slides/slide21.xml><?xml version="1.0" encoding="utf-8"?>
+<p:sld xmlns:a="http://schemas.openxmlformats.org/drawingml/2006/main" xmlns:r="http://schemas.openxmlformats.org/officeDocument/2006/relationships" xmlns:p="http://schemas.openxmlformats.org/presentationml/2006/main">
+  <p:cSld>
+    <p:spTree>
+      <p:nvGrpSpPr>
+        <p:cNvPr id="1" name=""/>
+        <p:cNvGrpSpPr/>
+        <p:nvPr/>
+      </p:nvGrpSpPr>
+      <p:grpSpPr/>
+      <p:sp>
+        <p:nvSpPr>
+          <p:cNvPr id="2" name="标题 1"/>
+          <p:cNvSpPr>
+            <a:spLocks noGrp="1"/>
+          </p:cNvSpPr>
+          <p:nvPr>
+            <p:ph type="title"/>
+          </p:nvPr>
+        </p:nvSpPr>
+        <p:spPr/>
+        <p:txBody>
+          <a:bodyPr/>
+          <a:p>
+            <a:r>
+              <a:rPr lang="en-US" altLang="zh-CN"/>
+              <a:t>YARN</a:t>
+            </a:r>
+            <a:endParaRPr lang="en-US" altLang="zh-CN"/>
+          </a:p>
+        </p:txBody>
+      </p:sp>
+      <p:sp>
+        <p:nvSpPr>
+          <p:cNvPr id="3" name="内容占位符 2"/>
+          <p:cNvSpPr>
+            <a:spLocks noGrp="1"/>
+          </p:cNvSpPr>
+          <p:nvPr>
+            <p:ph idx="1"/>
+          </p:nvPr>
+        </p:nvSpPr>
+        <p:spPr/>
+        <p:txBody>
+          <a:bodyPr/>
+          <a:p>
+            <a:r>
+              <a:rPr lang="zh-CN" altLang="en-US"/>
+              <a:t> JobTracker 在 2.0 中已经被整合到 YARN ResourceManger 之中</a:t>
+            </a:r>
+            <a:endParaRPr lang="zh-CN" altLang="en-US"/>
+          </a:p>
+        </p:txBody>
+      </p:sp>
+    </p:spTree>
+  </p:cSld>
+  <p:clrMapOvr>
+    <a:masterClrMapping/>
+  </p:clrMapOvr>
+</p:sld>
+</file>
+
+<file path=ppt/slides/slide3.xml><?xml version="1.0" encoding="utf-8"?>
+<p:sld xmlns:a="http://schemas.openxmlformats.org/drawingml/2006/main" xmlns:r="http://schemas.openxmlformats.org/officeDocument/2006/relationships" xmlns:p="http://schemas.openxmlformats.org/presentationml/2006/main">
+  <p:cSld>
+    <p:spTree>
+      <p:nvGrpSpPr>
+        <p:cNvPr id="1" name=""/>
+        <p:cNvGrpSpPr/>
+        <p:nvPr/>
+      </p:nvGrpSpPr>
+      <p:grpSpPr/>
+      <p:sp>
+        <p:nvSpPr>
+          <p:cNvPr id="2" name="标题 1"/>
+          <p:cNvSpPr>
+            <a:spLocks noGrp="1"/>
+          </p:cNvSpPr>
+          <p:nvPr>
+            <p:ph type="title"/>
+          </p:nvPr>
+        </p:nvSpPr>
+        <p:spPr/>
+        <p:txBody>
+          <a:bodyPr/>
+          <a:p>
+            <a:r>
+              <a:rPr lang="zh-CN" altLang="en-US"/>
+              <a:t>安装配置</a:t>
+            </a:r>
+            <a:endParaRPr lang="zh-CN" altLang="en-US"/>
+          </a:p>
+        </p:txBody>
+      </p:sp>
+      <p:sp>
+        <p:nvSpPr>
+          <p:cNvPr id="3" name="内容占位符 2"/>
+          <p:cNvSpPr>
+            <a:spLocks noGrp="1"/>
+          </p:cNvSpPr>
+          <p:nvPr>
+            <p:ph idx="1"/>
+          </p:nvPr>
+        </p:nvSpPr>
+        <p:spPr/>
+        <p:txBody>
+          <a:bodyPr/>
+          <a:p>
+            <a:endParaRPr lang="zh-CN" altLang="en-US"/>
+          </a:p>
+        </p:txBody>
+      </p:sp>
+    </p:spTree>
+  </p:cSld>
+  <p:clrMapOvr>
+    <a:masterClrMapping/>
+  </p:clrMapOvr>
+</p:sld>
+</file>
+
+<file path=ppt/slides/slide4.xml><?xml version="1.0" encoding="utf-8"?>
+<p:sld xmlns:a="http://schemas.openxmlformats.org/drawingml/2006/main" xmlns:r="http://schemas.openxmlformats.org/officeDocument/2006/relationships" xmlns:p="http://schemas.openxmlformats.org/presentationml/2006/main">
+  <p:cSld>
+    <p:spTree>
+      <p:nvGrpSpPr>
+        <p:cNvPr id="1" name=""/>
+        <p:cNvGrpSpPr/>
+        <p:nvPr/>
+      </p:nvGrpSpPr>
+      <p:grpSpPr/>
+      <p:sp>
+        <p:nvSpPr>
+          <p:cNvPr id="2" name="标题 1"/>
+          <p:cNvSpPr>
+            <a:spLocks noGrp="1"/>
+          </p:cNvSpPr>
+          <p:nvPr>
+            <p:ph type="title"/>
+          </p:nvPr>
+        </p:nvSpPr>
+        <p:spPr/>
+        <p:txBody>
+          <a:bodyPr/>
+          <a:p>
+            <a:r>
+              <a:rPr lang="zh-CN" altLang="en-US"/>
+              <a:t>配置文件样例</a:t>
+            </a:r>
+            <a:r>
+              <a:rPr lang="en-US" altLang="zh-CN"/>
+              <a:t>:</a:t>
+            </a:r>
+            <a:r>
+              <a:rPr lang="en-US" altLang="zh-CN"/>
+              <a:t>core-site.xml</a:t>
+            </a:r>
+            <a:endParaRPr lang="en-US" altLang="zh-CN"/>
+          </a:p>
+        </p:txBody>
+      </p:sp>
+      <p:sp>
+        <p:nvSpPr>
+          <p:cNvPr id="7" name="文本框 6"/>
+          <p:cNvSpPr txBox="1"/>
+          <p:nvPr/>
+        </p:nvSpPr>
+        <p:spPr>
+          <a:xfrm>
+            <a:off x="1033780" y="1461770"/>
+            <a:ext cx="5774055" cy="4769485"/>
+          </a:xfrm>
+          <a:prstGeom prst="rect">
+            <a:avLst/>
+          </a:prstGeom>
+          <a:noFill/>
+        </p:spPr>
+        <p:txBody>
+          <a:bodyPr wrap="square" rtlCol="0">
+            <a:spAutoFit/>
+          </a:bodyPr>
+          <a:p>
+            <a:r>
+              <a:rPr lang="zh-CN" altLang="en-US" sz="1200"/>
+              <a:t>&lt;?xml version="1.0" encoding="UTF-8"?&gt;</a:t>
+            </a:r>
+            <a:endParaRPr lang="zh-CN" altLang="en-US" sz="1200"/>
+          </a:p>
+          <a:p>
+            <a:r>
+              <a:rPr lang="zh-CN" altLang="en-US" sz="1200"/>
+              <a:t>&lt;?xml-stylesheet type="text/xsl" href="configuration.xsl"?&gt;</a:t>
+            </a:r>
+            <a:endParaRPr lang="zh-CN" altLang="en-US" sz="1200"/>
+          </a:p>
+          <a:p>
+            <a:endParaRPr lang="zh-CN" altLang="en-US" sz="1400"/>
+          </a:p>
+          <a:p>
+            <a:r>
+              <a:rPr lang="zh-CN" altLang="en-US" sz="1200"/>
+              <a:t>&lt;configuration&gt;</a:t>
+            </a:r>
+            <a:endParaRPr lang="zh-CN" altLang="en-US" sz="1200"/>
+          </a:p>
+          <a:p>
+            <a:endParaRPr lang="zh-CN" altLang="en-US" sz="1400"/>
+          </a:p>
+          <a:p>
+            <a:r>
+              <a:rPr lang="zh-CN" altLang="en-US" sz="1200"/>
+              <a:t>&lt;!-- 指定hdfs的nameservice为hadoop-cluster --&gt;</a:t>
+            </a:r>
+            <a:endParaRPr lang="zh-CN" altLang="en-US" sz="1200"/>
+          </a:p>
+          <a:p>
+            <a:r>
+              <a:rPr lang="zh-CN" altLang="en-US" sz="1200"/>
+              <a:t>&lt;property&gt;</a:t>
+            </a:r>
+            <a:endParaRPr lang="zh-CN" altLang="en-US" sz="1200"/>
+          </a:p>
+          <a:p>
+            <a:r>
+              <a:rPr lang="zh-CN" altLang="en-US" sz="1200"/>
+              <a:t>&lt;name&gt;fs.defaultFS&lt;/name&gt;</a:t>
+            </a:r>
+            <a:endParaRPr lang="zh-CN" altLang="en-US" sz="1200"/>
+          </a:p>
+          <a:p>
+            <a:r>
+              <a:rPr lang="zh-CN" altLang="en-US" sz="1200"/>
+              <a:t>&lt;value&gt;hdfs://hadoop-cluster&lt;/value&gt;</a:t>
+            </a:r>
+            <a:endParaRPr lang="zh-CN" altLang="en-US" sz="1200"/>
+          </a:p>
+          <a:p>
+            <a:r>
+              <a:rPr lang="zh-CN" altLang="en-US" sz="1200"/>
+              <a:t>&lt;/property&gt;</a:t>
+            </a:r>
+            <a:endParaRPr lang="zh-CN" altLang="en-US" sz="1200"/>
+          </a:p>
+          <a:p>
+            <a:r>
+              <a:rPr lang="zh-CN" altLang="en-US" sz="1200"/>
+              <a:t>&lt;!-- 指定zookeeper地址 --&gt;</a:t>
+            </a:r>
+            <a:endParaRPr lang="zh-CN" altLang="en-US" sz="1200"/>
+          </a:p>
+          <a:p>
+            <a:r>
+              <a:rPr lang="zh-CN" altLang="en-US" sz="1200"/>
+              <a:t>&lt;property&gt;</a:t>
+            </a:r>
+            <a:endParaRPr lang="zh-CN" altLang="en-US" sz="1200"/>
+          </a:p>
+          <a:p>
+            <a:r>
+              <a:rPr lang="zh-CN" altLang="en-US" sz="1200"/>
+              <a:t>&lt;name&gt;ha.zookeeper.quorum&lt;/name&gt;</a:t>
+            </a:r>
+            <a:endParaRPr lang="zh-CN" altLang="en-US" sz="1200"/>
+          </a:p>
+          <a:p>
+            <a:r>
+              <a:rPr lang="zh-CN" altLang="en-US" sz="1200"/>
+              <a:t>&lt;value&gt;hdp1.khala.com:3181,hdp2.khala.com:3181,hdp3.khala.com:3181&lt;/value&gt;</a:t>
+            </a:r>
+            <a:endParaRPr lang="zh-CN" altLang="en-US" sz="1200"/>
+          </a:p>
+          <a:p>
+            <a:r>
+              <a:rPr lang="zh-CN" altLang="en-US" sz="1200"/>
+              <a:t>&lt;/property&gt;</a:t>
+            </a:r>
+            <a:endParaRPr lang="zh-CN" altLang="en-US" sz="1200"/>
+          </a:p>
+          <a:p>
+            <a:r>
+              <a:rPr lang="zh-CN" altLang="en-US" sz="1200"/>
+              <a:t>&lt;!-- 指定hadoop tmp的目录 --&gt;</a:t>
+            </a:r>
+            <a:endParaRPr lang="zh-CN" altLang="en-US" sz="1200"/>
+          </a:p>
+          <a:p>
+            <a:r>
+              <a:rPr lang="zh-CN" altLang="en-US" sz="1200"/>
+              <a:t>&lt;property&gt;</a:t>
+            </a:r>
+            <a:endParaRPr lang="zh-CN" altLang="en-US" sz="1200"/>
+          </a:p>
+          <a:p>
+            <a:r>
+              <a:rPr lang="zh-CN" altLang="en-US" sz="1200"/>
+              <a:t>&lt;name&gt;hadoop.tmp.dir&lt;/name&gt;</a:t>
+            </a:r>
+            <a:endParaRPr lang="zh-CN" altLang="en-US" sz="1200"/>
+          </a:p>
+          <a:p>
+            <a:r>
+              <a:rPr lang="zh-CN" altLang="en-US" sz="1200"/>
+              <a:t>&lt;value&gt;/home/hadoop/softwares/hadoop-2.6.0/data/tmp&lt;/value&gt;</a:t>
+            </a:r>
+            <a:endParaRPr lang="zh-CN" altLang="en-US" sz="1200"/>
+          </a:p>
+          <a:p>
+            <a:r>
+              <a:rPr lang="zh-CN" altLang="en-US" sz="1200"/>
+              <a:t>&lt;/property&gt;</a:t>
+            </a:r>
+            <a:endParaRPr lang="zh-CN" altLang="en-US" sz="1200"/>
+          </a:p>
+          <a:p>
+            <a:r>
+              <a:rPr lang="zh-CN" altLang="en-US" sz="1200">
+                <a:sym typeface="+mn-ea"/>
+              </a:rPr>
+              <a:t>&lt;!--hdfs文件删除自动转移到垃圾箱的选项，值为垃圾箱文件清除时间,单位为分--&gt;</a:t>
+            </a:r>
+            <a:endParaRPr lang="zh-CN" altLang="en-US" sz="1200">
+              <a:sym typeface="+mn-ea"/>
+            </a:endParaRPr>
+          </a:p>
+          <a:p>
+            <a:r>
+              <a:rPr lang="zh-CN" altLang="en-US" sz="1200">
+                <a:sym typeface="+mn-ea"/>
+              </a:rPr>
+              <a:t>&lt;property&gt;</a:t>
+            </a:r>
+            <a:endParaRPr lang="zh-CN" altLang="en-US" sz="1200">
+              <a:sym typeface="+mn-ea"/>
+            </a:endParaRPr>
+          </a:p>
+          <a:p>
+            <a:r>
+              <a:rPr lang="zh-CN" altLang="en-US" sz="1200">
+                <a:sym typeface="+mn-ea"/>
+              </a:rPr>
+              <a:t>&lt;name&gt;fs.trash.interval&lt;/name&gt;</a:t>
+            </a:r>
+            <a:endParaRPr lang="zh-CN" altLang="en-US" sz="1200">
+              <a:sym typeface="+mn-ea"/>
+            </a:endParaRPr>
+          </a:p>
+          <a:p>
+            <a:r>
+              <a:rPr lang="zh-CN" altLang="en-US" sz="1200">
+                <a:sym typeface="+mn-ea"/>
+              </a:rPr>
+              <a:t>&lt;value&gt;10080&lt;/value&gt;</a:t>
+            </a:r>
+            <a:endParaRPr lang="zh-CN" altLang="en-US" sz="1200">
+              <a:sym typeface="+mn-ea"/>
+            </a:endParaRPr>
+          </a:p>
+          <a:p>
+            <a:r>
+              <a:rPr lang="zh-CN" altLang="en-US" sz="1200">
+                <a:sym typeface="+mn-ea"/>
+              </a:rPr>
+              <a:t>&lt;/property&gt;</a:t>
+            </a:r>
+            <a:endParaRPr lang="zh-CN" altLang="en-US" sz="1200"/>
+          </a:p>
+        </p:txBody>
+      </p:sp>
+      <p:sp>
+        <p:nvSpPr>
+          <p:cNvPr id="8" name="文本框 7"/>
+          <p:cNvSpPr txBox="1"/>
+          <p:nvPr/>
+        </p:nvSpPr>
+        <p:spPr>
+          <a:xfrm>
+            <a:off x="7127240" y="1304925"/>
+            <a:ext cx="5120640" cy="5446395"/>
+          </a:xfrm>
+          <a:prstGeom prst="rect">
+            <a:avLst/>
+          </a:prstGeom>
+          <a:noFill/>
+        </p:spPr>
+        <p:txBody>
+          <a:bodyPr wrap="square" rtlCol="0">
+            <a:spAutoFit/>
+          </a:bodyPr>
+          <a:p>
+            <a:endParaRPr lang="zh-CN" altLang="en-US" sz="1400">
+              <a:sym typeface="+mn-ea"/>
+            </a:endParaRPr>
+          </a:p>
+          <a:p>
+            <a:r>
+              <a:rPr lang="zh-CN" altLang="en-US" sz="1400">
+                <a:sym typeface="+mn-ea"/>
+              </a:rPr>
+              <a:t>&lt;!-- 指定用户名 --&gt;</a:t>
+            </a:r>
+            <a:endParaRPr lang="zh-CN" altLang="en-US" sz="1400">
+              <a:sym typeface="+mn-ea"/>
+            </a:endParaRPr>
+          </a:p>
+          <a:p>
+            <a:r>
+              <a:rPr lang="zh-CN" altLang="en-US" sz="1400">
+                <a:sym typeface="+mn-ea"/>
+              </a:rPr>
+              <a:t>&lt;property&gt;</a:t>
+            </a:r>
+            <a:endParaRPr lang="zh-CN" altLang="en-US" sz="1400">
+              <a:sym typeface="+mn-ea"/>
+            </a:endParaRPr>
+          </a:p>
+          <a:p>
+            <a:r>
+              <a:rPr lang="zh-CN" altLang="en-US" sz="1400">
+                <a:sym typeface="+mn-ea"/>
+              </a:rPr>
+              <a:t>&lt;name&gt;hadoop.http.staticuser.user&lt;/name&gt;</a:t>
+            </a:r>
+            <a:endParaRPr lang="zh-CN" altLang="en-US" sz="1400">
+              <a:sym typeface="+mn-ea"/>
+            </a:endParaRPr>
+          </a:p>
+          <a:p>
+            <a:r>
+              <a:rPr lang="zh-CN" altLang="en-US" sz="1400">
+                <a:sym typeface="+mn-ea"/>
+              </a:rPr>
+              <a:t>&lt;value&gt;hadoop&lt;/value&gt;</a:t>
+            </a:r>
+            <a:endParaRPr lang="zh-CN" altLang="en-US" sz="1400">
+              <a:sym typeface="+mn-ea"/>
+            </a:endParaRPr>
+          </a:p>
+          <a:p>
+            <a:r>
+              <a:rPr lang="zh-CN" altLang="en-US" sz="1400">
+                <a:sym typeface="+mn-ea"/>
+              </a:rPr>
+              <a:t>&lt;/property&gt;</a:t>
+            </a:r>
+            <a:endParaRPr lang="zh-CN" altLang="en-US" sz="1400">
+              <a:sym typeface="+mn-ea"/>
+            </a:endParaRPr>
+          </a:p>
+          <a:p>
+            <a:r>
+              <a:rPr lang="zh-CN" altLang="en-US" sz="1400">
+                <a:sym typeface="+mn-ea"/>
+              </a:rPr>
+              <a:t>&lt;property&gt;</a:t>
+            </a:r>
+            <a:endParaRPr lang="zh-CN" altLang="en-US" sz="1400">
+              <a:sym typeface="+mn-ea"/>
+            </a:endParaRPr>
+          </a:p>
+          <a:p>
+            <a:r>
+              <a:rPr lang="zh-CN" altLang="en-US" sz="1400">
+                <a:sym typeface="+mn-ea"/>
+              </a:rPr>
+              <a:t>&lt;name&gt;io.compression.codecs&lt;/name&gt;</a:t>
+            </a:r>
+            <a:endParaRPr lang="zh-CN" altLang="en-US" sz="1400">
+              <a:sym typeface="+mn-ea"/>
+            </a:endParaRPr>
+          </a:p>
+          <a:p>
+            <a:r>
+              <a:rPr lang="zh-CN" altLang="en-US" sz="1400">
+                <a:sym typeface="+mn-ea"/>
+              </a:rPr>
+              <a:t>&lt;value&gt;org.apache.hadoop.io.compress.GzipCodec,</a:t>
+            </a:r>
+            <a:endParaRPr lang="zh-CN" altLang="en-US" sz="1400">
+              <a:sym typeface="+mn-ea"/>
+            </a:endParaRPr>
+          </a:p>
+          <a:p>
+            <a:r>
+              <a:rPr lang="zh-CN" altLang="en-US" sz="1400">
+                <a:sym typeface="+mn-ea"/>
+              </a:rPr>
+              <a:t>        org.apache.hadoop.io.compress.DefaultCodec,</a:t>
+            </a:r>
+            <a:endParaRPr lang="zh-CN" altLang="en-US" sz="1400">
+              <a:sym typeface="+mn-ea"/>
+            </a:endParaRPr>
+          </a:p>
+          <a:p>
+            <a:r>
+              <a:rPr lang="zh-CN" altLang="en-US" sz="1400">
+                <a:sym typeface="+mn-ea"/>
+              </a:rPr>
+              <a:t>        org.apache.hadoop.io.compress.BZip2Codec,</a:t>
+            </a:r>
+            <a:endParaRPr lang="zh-CN" altLang="en-US" sz="1400">
+              <a:sym typeface="+mn-ea"/>
+            </a:endParaRPr>
+          </a:p>
+          <a:p>
+            <a:r>
+              <a:rPr lang="zh-CN" altLang="en-US" sz="1400">
+                <a:sym typeface="+mn-ea"/>
+              </a:rPr>
+              <a:t>        org.apache.hadoop.io.compress.SnappyCodec</a:t>
+            </a:r>
+            <a:endParaRPr lang="zh-CN" altLang="en-US" sz="1400">
+              <a:sym typeface="+mn-ea"/>
+            </a:endParaRPr>
+          </a:p>
+          <a:p>
+            <a:r>
+              <a:rPr lang="zh-CN" altLang="en-US" sz="1400">
+                <a:sym typeface="+mn-ea"/>
+              </a:rPr>
+              <a:t>        &lt;/value&gt;</a:t>
+            </a:r>
+            <a:endParaRPr lang="zh-CN" altLang="en-US" sz="1400">
+              <a:sym typeface="+mn-ea"/>
+            </a:endParaRPr>
+          </a:p>
+          <a:p>
+            <a:r>
+              <a:rPr lang="zh-CN" altLang="en-US" sz="1400">
+                <a:sym typeface="+mn-ea"/>
+              </a:rPr>
+              <a:t>&lt;/property&gt;</a:t>
+            </a:r>
+            <a:endParaRPr lang="zh-CN" altLang="en-US" sz="1400">
+              <a:sym typeface="+mn-ea"/>
+            </a:endParaRPr>
+          </a:p>
+          <a:p>
+            <a:r>
+              <a:rPr lang="zh-CN" altLang="en-US" sz="1400">
+                <a:sym typeface="+mn-ea"/>
+              </a:rPr>
+              <a:t>&lt;property&gt;  </a:t>
+            </a:r>
+            <a:endParaRPr lang="zh-CN" altLang="en-US" sz="1400">
+              <a:sym typeface="+mn-ea"/>
+            </a:endParaRPr>
+          </a:p>
+          <a:p>
+            <a:r>
+              <a:rPr lang="zh-CN" altLang="en-US" sz="1400">
+                <a:sym typeface="+mn-ea"/>
+              </a:rPr>
+              <a:t>   &lt;name&gt;hadoop.proxyuser.hadoop.hosts&lt;/name&gt;  </a:t>
+            </a:r>
+            <a:endParaRPr lang="zh-CN" altLang="en-US" sz="1400">
+              <a:sym typeface="+mn-ea"/>
+            </a:endParaRPr>
+          </a:p>
+          <a:p>
+            <a:r>
+              <a:rPr lang="zh-CN" altLang="en-US" sz="1400">
+                <a:sym typeface="+mn-ea"/>
+              </a:rPr>
+              <a:t>   &lt;value&gt;*&lt;/value&gt;  </a:t>
+            </a:r>
+            <a:endParaRPr lang="zh-CN" altLang="en-US" sz="1400">
+              <a:sym typeface="+mn-ea"/>
+            </a:endParaRPr>
+          </a:p>
+          <a:p>
+            <a:r>
+              <a:rPr lang="zh-CN" altLang="en-US" sz="1400">
+                <a:sym typeface="+mn-ea"/>
+              </a:rPr>
+              <a:t>&lt;/property&gt;  </a:t>
+            </a:r>
+            <a:endParaRPr lang="zh-CN" altLang="en-US" sz="1400">
+              <a:sym typeface="+mn-ea"/>
+            </a:endParaRPr>
+          </a:p>
+          <a:p>
+            <a:r>
+              <a:rPr lang="zh-CN" altLang="en-US" sz="1400">
+                <a:sym typeface="+mn-ea"/>
+              </a:rPr>
+              <a:t>&lt;property&gt;  </a:t>
+            </a:r>
+            <a:endParaRPr lang="zh-CN" altLang="en-US" sz="1400">
+              <a:sym typeface="+mn-ea"/>
+            </a:endParaRPr>
+          </a:p>
+          <a:p>
+            <a:r>
+              <a:rPr lang="zh-CN" altLang="en-US" sz="1400">
+                <a:sym typeface="+mn-ea"/>
+              </a:rPr>
+              <a:t>    &lt;name&gt;hadoop.proxyuser.hadoop.groups&lt;/name&gt;  </a:t>
+            </a:r>
+            <a:endParaRPr lang="zh-CN" altLang="en-US" sz="1400">
+              <a:sym typeface="+mn-ea"/>
+            </a:endParaRPr>
+          </a:p>
+          <a:p>
+            <a:r>
+              <a:rPr lang="zh-CN" altLang="en-US" sz="1400">
+                <a:sym typeface="+mn-ea"/>
+              </a:rPr>
+              <a:t>    &lt;value&gt;*&lt;/value&gt;  </a:t>
+            </a:r>
+            <a:endParaRPr lang="zh-CN" altLang="en-US" sz="1400">
+              <a:sym typeface="+mn-ea"/>
+            </a:endParaRPr>
+          </a:p>
+          <a:p>
+            <a:r>
+              <a:rPr lang="zh-CN" altLang="en-US" sz="1400">
+                <a:sym typeface="+mn-ea"/>
+              </a:rPr>
+              <a:t>&lt;/property&gt; </a:t>
+            </a:r>
+            <a:endParaRPr lang="zh-CN" altLang="en-US" sz="1400">
+              <a:sym typeface="+mn-ea"/>
+            </a:endParaRPr>
+          </a:p>
+          <a:p>
+            <a:endParaRPr lang="zh-CN" altLang="en-US" sz="1200">
+              <a:sym typeface="+mn-ea"/>
+            </a:endParaRPr>
+          </a:p>
+          <a:p>
+            <a:r>
+              <a:rPr lang="zh-CN" altLang="en-US" sz="1400">
+                <a:sym typeface="+mn-ea"/>
+              </a:rPr>
+              <a:t>&lt;/configuration&gt;</a:t>
+            </a:r>
+            <a:endParaRPr lang="zh-CN" altLang="en-US" sz="1400">
+              <a:sym typeface="+mn-ea"/>
+            </a:endParaRPr>
+          </a:p>
+          <a:p>
+            <a:endParaRPr lang="zh-CN" altLang="en-US" sz="1400">
+              <a:sym typeface="+mn-ea"/>
+            </a:endParaRPr>
+          </a:p>
+        </p:txBody>
+      </p:sp>
+    </p:spTree>
+  </p:cSld>
+  <p:clrMapOvr>
+    <a:masterClrMapping/>
+  </p:clrMapOvr>
+</p:sld>
+</file>
+
 <file path=ppt/slides/slide5.xml><?xml version="1.0" encoding="utf-8"?>
 <p:sld xmlns:a="http://schemas.openxmlformats.org/drawingml/2006/main" xmlns:r="http://schemas.openxmlformats.org/officeDocument/2006/relationships" xmlns:p="http://schemas.openxmlformats.org/presentationml/2006/main">
   <p:cSld>
@@ -3596,63 +4970,611 @@
           <a:bodyPr/>
           <a:p>
             <a:r>
+              <a:rPr lang="zh-CN" altLang="en-US"/>
+              <a:t>配置文件样例</a:t>
+            </a:r>
+            <a:r>
               <a:rPr lang="en-US" altLang="zh-CN"/>
-              <a:t>HDFS NameNode HA with QJM</a:t>
-            </a:r>
-            <a:endParaRPr lang="zh-CN" altLang="en-US"/>
-          </a:p>
-        </p:txBody>
-      </p:sp>
-      <p:pic>
-        <p:nvPicPr>
-          <p:cNvPr id="5" name="内容占位符 4"/>
-          <p:cNvPicPr>
-            <a:picLocks noChangeAspect="1"/>
-          </p:cNvPicPr>
-          <p:nvPr>
-            <p:ph idx="1"/>
-          </p:nvPr>
-        </p:nvPicPr>
-        <p:blipFill>
-          <a:blip r:embed="rId1"/>
-          <a:stretch>
-            <a:fillRect/>
-          </a:stretch>
-        </p:blipFill>
-        <p:spPr>
-          <a:xfrm>
-            <a:off x="838200" y="1691005"/>
-            <a:ext cx="5486400" cy="4902200"/>
-          </a:xfrm>
-          <a:prstGeom prst="rect">
-            <a:avLst/>
-          </a:prstGeom>
-        </p:spPr>
-      </p:pic>
-      <p:pic>
-        <p:nvPicPr>
-          <p:cNvPr id="7" name="图片 6"/>
-          <p:cNvPicPr>
-            <a:picLocks noChangeAspect="1"/>
-          </p:cNvPicPr>
+              <a:t>:hdfs-site.xml</a:t>
+            </a:r>
+            <a:endParaRPr lang="en-US" altLang="zh-CN"/>
+          </a:p>
+        </p:txBody>
+      </p:sp>
+      <p:graphicFrame>
+        <p:nvGraphicFramePr>
+          <p:cNvPr id="10" name="表格 9"/>
+          <p:cNvGraphicFramePr/>
           <p:nvPr/>
-        </p:nvPicPr>
-        <p:blipFill>
-          <a:blip r:embed="rId2"/>
-          <a:stretch>
-            <a:fillRect/>
-          </a:stretch>
-        </p:blipFill>
-        <p:spPr>
-          <a:xfrm>
-            <a:off x="3367405" y="1389380"/>
-            <a:ext cx="7315835" cy="5203825"/>
-          </a:xfrm>
-          <a:prstGeom prst="rect">
-            <a:avLst/>
-          </a:prstGeom>
-        </p:spPr>
-      </p:pic>
+        </p:nvGraphicFramePr>
+        <p:xfrm>
+          <a:off x="676275" y="1386840"/>
+          <a:ext cx="11092180" cy="5394325"/>
+        </p:xfrm>
+        <a:graphic>
+          <a:graphicData uri="http://schemas.openxmlformats.org/drawingml/2006/table">
+            <a:tbl>
+              <a:tblPr firstRow="1" bandRow="1">
+                <a:tableStyleId>{5C22544A-7EE6-4342-B048-85BDC9FD1C3A}</a:tableStyleId>
+              </a:tblPr>
+              <a:tblGrid>
+                <a:gridCol w="3591560"/>
+                <a:gridCol w="3345815"/>
+                <a:gridCol w="4154805"/>
+              </a:tblGrid>
+              <a:tr h="365760">
+                <a:tc>
+                  <a:txBody>
+                    <a:bodyPr/>
+                    <a:p>
+                      <a:pPr>
+                        <a:buNone/>
+                      </a:pPr>
+                      <a:r>
+                        <a:rPr lang="zh-CN" altLang="zh-CN"/>
+                        <a:t>属性名</a:t>
+                      </a:r>
+                      <a:endParaRPr lang="zh-CN" altLang="zh-CN"/>
+                    </a:p>
+                  </a:txBody>
+                  <a:tcPr/>
+                </a:tc>
+                <a:tc>
+                  <a:txBody>
+                    <a:bodyPr/>
+                    <a:p>
+                      <a:pPr>
+                        <a:buNone/>
+                      </a:pPr>
+                      <a:r>
+                        <a:rPr lang="zh-CN" altLang="en-US"/>
+                        <a:t>属性值</a:t>
+                      </a:r>
+                      <a:endParaRPr lang="zh-CN" altLang="en-US"/>
+                    </a:p>
+                  </a:txBody>
+                  <a:tcPr/>
+                </a:tc>
+                <a:tc>
+                  <a:txBody>
+                    <a:bodyPr/>
+                    <a:p>
+                      <a:pPr>
+                        <a:buNone/>
+                      </a:pPr>
+                      <a:r>
+                        <a:rPr lang="zh-CN" altLang="en-US"/>
+                        <a:t>说明</a:t>
+                      </a:r>
+                      <a:endParaRPr lang="zh-CN" altLang="en-US"/>
+                    </a:p>
+                  </a:txBody>
+                  <a:tcPr/>
+                </a:tc>
+              </a:tr>
+              <a:tr h="518160">
+                <a:tc>
+                  <a:txBody>
+                    <a:bodyPr/>
+                    <a:p>
+                      <a:pPr>
+                        <a:buNone/>
+                      </a:pPr>
+                      <a:r>
+                        <a:rPr lang="zh-CN" altLang="en-US" sz="1400">
+                          <a:sym typeface="+mn-ea"/>
+                        </a:rPr>
+                        <a:t>dfs.nameservices</a:t>
+                      </a:r>
+                      <a:endParaRPr lang="zh-CN" altLang="en-US" sz="1400">
+                        <a:sym typeface="+mn-ea"/>
+                      </a:endParaRPr>
+                    </a:p>
+                  </a:txBody>
+                  <a:tcPr/>
+                </a:tc>
+                <a:tc>
+                  <a:txBody>
+                    <a:bodyPr/>
+                    <a:p>
+                      <a:pPr>
+                        <a:buNone/>
+                      </a:pPr>
+                      <a:r>
+                        <a:rPr lang="zh-CN" altLang="en-US" sz="1400">
+                          <a:sym typeface="+mn-ea"/>
+                        </a:rPr>
+                        <a:t>hadoop-cluster</a:t>
+                      </a:r>
+                      <a:endParaRPr lang="zh-CN" altLang="en-US" sz="1400">
+                        <a:sym typeface="+mn-ea"/>
+                      </a:endParaRPr>
+                    </a:p>
+                  </a:txBody>
+                  <a:tcPr/>
+                </a:tc>
+                <a:tc>
+                  <a:txBody>
+                    <a:bodyPr/>
+                    <a:p>
+                      <a:pPr>
+                        <a:buNone/>
+                      </a:pPr>
+                      <a:r>
+                        <a:rPr lang="zh-CN" altLang="en-US" sz="1400">
+                          <a:sym typeface="+mn-ea"/>
+                        </a:rPr>
+                        <a:t>指定hdfs的nameservice为hadoop-cluster，需要和core-site.xml中的保持一致 </a:t>
+                      </a:r>
+                      <a:endParaRPr lang="zh-CN" altLang="en-US" sz="1400">
+                        <a:sym typeface="+mn-ea"/>
+                      </a:endParaRPr>
+                    </a:p>
+                  </a:txBody>
+                  <a:tcPr/>
+                </a:tc>
+              </a:tr>
+              <a:tr h="518160">
+                <a:tc>
+                  <a:txBody>
+                    <a:bodyPr/>
+                    <a:p>
+                      <a:pPr>
+                        <a:buNone/>
+                      </a:pPr>
+                      <a:r>
+                        <a:rPr lang="zh-CN" altLang="en-US" sz="1400">
+                          <a:sym typeface="+mn-ea"/>
+                        </a:rPr>
+                        <a:t>dfs.ha.namenodes.hadoop-cluster</a:t>
+                      </a:r>
+                      <a:endParaRPr lang="zh-CN" altLang="en-US" sz="1400">
+                        <a:sym typeface="+mn-ea"/>
+                      </a:endParaRPr>
+                    </a:p>
+                  </a:txBody>
+                  <a:tcPr/>
+                </a:tc>
+                <a:tc>
+                  <a:txBody>
+                    <a:bodyPr/>
+                    <a:p>
+                      <a:pPr>
+                        <a:buNone/>
+                      </a:pPr>
+                      <a:r>
+                        <a:rPr lang="zh-CN" altLang="en-US" sz="1400">
+                          <a:sym typeface="+mn-ea"/>
+                        </a:rPr>
+                        <a:t>nn31,nn32</a:t>
+                      </a:r>
+                      <a:endParaRPr lang="zh-CN" altLang="en-US" sz="1400">
+                        <a:sym typeface="+mn-ea"/>
+                      </a:endParaRPr>
+                    </a:p>
+                  </a:txBody>
+                  <a:tcPr/>
+                </a:tc>
+                <a:tc>
+                  <a:txBody>
+                    <a:bodyPr/>
+                    <a:p>
+                      <a:pPr>
+                        <a:buNone/>
+                      </a:pPr>
+                      <a:r>
+                        <a:rPr lang="zh-CN" altLang="en-US" sz="1400">
+                          <a:sym typeface="+mn-ea"/>
+                        </a:rPr>
+                        <a:t>hadoop-cluster下面有两个NameNode，分别是nn31,nn32</a:t>
+                      </a:r>
+                      <a:endParaRPr lang="zh-CN" altLang="en-US" sz="1400">
+                        <a:sym typeface="+mn-ea"/>
+                      </a:endParaRPr>
+                    </a:p>
+                  </a:txBody>
+                  <a:tcPr/>
+                </a:tc>
+              </a:tr>
+              <a:tr h="518160">
+                <a:tc>
+                  <a:txBody>
+                    <a:bodyPr/>
+                    <a:p>
+                      <a:pPr>
+                        <a:buNone/>
+                      </a:pPr>
+                      <a:r>
+                        <a:rPr lang="zh-CN" altLang="en-US" sz="1400">
+                          <a:sym typeface="+mn-ea"/>
+                        </a:rPr>
+                        <a:t>dfs.namenode.rpc-address.hadoop-cluster.nn31</a:t>
+                      </a:r>
+                      <a:endParaRPr lang="zh-CN" altLang="en-US" sz="1400">
+                        <a:sym typeface="+mn-ea"/>
+                      </a:endParaRPr>
+                    </a:p>
+                  </a:txBody>
+                  <a:tcPr/>
+                </a:tc>
+                <a:tc>
+                  <a:txBody>
+                    <a:bodyPr/>
+                    <a:p>
+                      <a:pPr>
+                        <a:buNone/>
+                      </a:pPr>
+                      <a:r>
+                        <a:rPr lang="zh-CN" altLang="en-US" sz="1400">
+                          <a:sym typeface="+mn-ea"/>
+                        </a:rPr>
+                        <a:t>hdp1.khala.com:8020</a:t>
+                      </a:r>
+                      <a:endParaRPr lang="zh-CN" altLang="en-US" sz="1400">
+                        <a:sym typeface="+mn-ea"/>
+                      </a:endParaRPr>
+                    </a:p>
+                  </a:txBody>
+                  <a:tcPr/>
+                </a:tc>
+                <a:tc rowSpan="2">
+                  <a:txBody>
+                    <a:bodyPr/>
+                    <a:p>
+                      <a:pPr>
+                        <a:buNone/>
+                      </a:pPr>
+                      <a:r>
+                        <a:rPr lang="en-US" altLang="zh-CN" sz="1400">
+                          <a:sym typeface="Arial" panose="020B0604020202020204" pitchFamily="34" charset="0"/>
+                        </a:rPr>
+                        <a:t>namenode</a:t>
+                      </a:r>
+                      <a:r>
+                        <a:rPr lang="zh-CN" altLang="en-US" sz="1400">
+                          <a:sym typeface="Arial" panose="020B0604020202020204" pitchFamily="34" charset="0"/>
+                        </a:rPr>
+                        <a:t>之间</a:t>
+                      </a:r>
+                      <a:r>
+                        <a:rPr lang="zh-CN" altLang="en-US" sz="1400">
+                          <a:sym typeface="Arial" panose="020B0604020202020204" pitchFamily="34" charset="0"/>
+                        </a:rPr>
+                        <a:t>的RPC通信地址</a:t>
+                      </a:r>
+                      <a:endParaRPr lang="zh-CN" altLang="en-US" sz="1400">
+                        <a:sym typeface="Arial" panose="020B0604020202020204" pitchFamily="34" charset="0"/>
+                      </a:endParaRPr>
+                    </a:p>
+                  </a:txBody>
+                  <a:tcPr/>
+                </a:tc>
+              </a:tr>
+              <a:tr h="518160">
+                <a:tc>
+                  <a:txBody>
+                    <a:bodyPr/>
+                    <a:p>
+                      <a:pPr>
+                        <a:buNone/>
+                      </a:pPr>
+                      <a:r>
+                        <a:rPr lang="zh-CN" altLang="en-US" sz="1400">
+                          <a:sym typeface="+mn-ea"/>
+                        </a:rPr>
+                        <a:t>dfs.namenode.rpc-address.hadoop-cluster.nn32</a:t>
+                      </a:r>
+                      <a:endParaRPr lang="zh-CN" altLang="en-US" sz="1400">
+                        <a:sym typeface="+mn-ea"/>
+                      </a:endParaRPr>
+                    </a:p>
+                  </a:txBody>
+                  <a:tcPr/>
+                </a:tc>
+                <a:tc>
+                  <a:txBody>
+                    <a:bodyPr/>
+                    <a:p>
+                      <a:pPr>
+                        <a:buNone/>
+                      </a:pPr>
+                      <a:r>
+                        <a:rPr lang="zh-CN" altLang="en-US" sz="1400">
+                          <a:sym typeface="+mn-ea"/>
+                        </a:rPr>
+                        <a:t>hdp2.khala.com:8020</a:t>
+                      </a:r>
+                      <a:endParaRPr lang="zh-CN" altLang="en-US" sz="1400">
+                        <a:sym typeface="+mn-ea"/>
+                      </a:endParaRPr>
+                    </a:p>
+                  </a:txBody>
+                  <a:tcPr/>
+                </a:tc>
+                <a:tc vMerge="1">
+                  <a:tcPr/>
+                </a:tc>
+              </a:tr>
+              <a:tr h="576580">
+                <a:tc>
+                  <a:txBody>
+                    <a:bodyPr/>
+                    <a:p>
+                      <a:pPr>
+                        <a:buNone/>
+                      </a:pPr>
+                      <a:r>
+                        <a:rPr lang="zh-CN" altLang="en-US" sz="1400">
+                          <a:sym typeface="+mn-ea"/>
+                        </a:rPr>
+                        <a:t>dfs.namenode.servicerpc-address.hadoop-cluster.nn31</a:t>
+                      </a:r>
+                      <a:endParaRPr lang="zh-CN" altLang="en-US" sz="1400">
+                        <a:sym typeface="+mn-ea"/>
+                      </a:endParaRPr>
+                    </a:p>
+                  </a:txBody>
+                  <a:tcPr/>
+                </a:tc>
+                <a:tc>
+                  <a:txBody>
+                    <a:bodyPr/>
+                    <a:p>
+                      <a:pPr>
+                        <a:buNone/>
+                      </a:pPr>
+                      <a:r>
+                        <a:rPr lang="zh-CN" altLang="en-US" sz="1400">
+                          <a:sym typeface="+mn-ea"/>
+                        </a:rPr>
+                        <a:t>hdp1.khala.com:8022</a:t>
+                      </a:r>
+                      <a:endParaRPr lang="zh-CN" altLang="en-US" sz="1400">
+                        <a:sym typeface="+mn-ea"/>
+                      </a:endParaRPr>
+                    </a:p>
+                  </a:txBody>
+                  <a:tcPr/>
+                </a:tc>
+                <a:tc rowSpan="2">
+                  <a:txBody>
+                    <a:bodyPr/>
+                    <a:p>
+                      <a:pPr>
+                        <a:buNone/>
+                      </a:pPr>
+                      <a:r>
+                        <a:rPr lang="zh-CN" altLang="en-US" sz="1400">
+                          <a:sym typeface="+mn-ea"/>
+                        </a:rPr>
+                        <a:t>namenode与datanode交互的ip和端口</a:t>
+                      </a:r>
+                      <a:endParaRPr lang="zh-CN" altLang="en-US" sz="1400">
+                        <a:sym typeface="+mn-ea"/>
+                      </a:endParaRPr>
+                    </a:p>
+                  </a:txBody>
+                  <a:tcPr/>
+                </a:tc>
+              </a:tr>
+              <a:tr h="518160">
+                <a:tc>
+                  <a:txBody>
+                    <a:bodyPr/>
+                    <a:p>
+                      <a:pPr>
+                        <a:buNone/>
+                      </a:pPr>
+                      <a:r>
+                        <a:rPr lang="zh-CN" altLang="en-US" sz="1400">
+                          <a:sym typeface="+mn-ea"/>
+                        </a:rPr>
+                        <a:t>dfs.namenode.servicerpc-address.hadoop-cluster.nn32</a:t>
+                      </a:r>
+                      <a:endParaRPr lang="zh-CN" altLang="en-US" sz="1400">
+                        <a:sym typeface="+mn-ea"/>
+                      </a:endParaRPr>
+                    </a:p>
+                  </a:txBody>
+                  <a:tcPr/>
+                </a:tc>
+                <a:tc>
+                  <a:txBody>
+                    <a:bodyPr/>
+                    <a:p>
+                      <a:pPr>
+                        <a:buNone/>
+                      </a:pPr>
+                      <a:r>
+                        <a:rPr lang="zh-CN" altLang="en-US" sz="1400">
+                          <a:sym typeface="+mn-ea"/>
+                        </a:rPr>
+                        <a:t>hdp2.khala.com:8022</a:t>
+                      </a:r>
+                      <a:endParaRPr lang="zh-CN" altLang="en-US" sz="1400">
+                        <a:sym typeface="+mn-ea"/>
+                      </a:endParaRPr>
+                    </a:p>
+                  </a:txBody>
+                  <a:tcPr/>
+                </a:tc>
+                <a:tc vMerge="1">
+                  <a:tcPr/>
+                </a:tc>
+              </a:tr>
+              <a:tr h="518160">
+                <a:tc>
+                  <a:txBody>
+                    <a:bodyPr/>
+                    <a:p>
+                      <a:pPr>
+                        <a:buNone/>
+                      </a:pPr>
+                      <a:r>
+                        <a:rPr lang="zh-CN" altLang="en-US" sz="1400">
+                          <a:sym typeface="+mn-ea"/>
+                        </a:rPr>
+                        <a:t>dfs.namenode.http-address.hadoop-cluster.nn31</a:t>
+                      </a:r>
+                      <a:endParaRPr lang="zh-CN" altLang="en-US" sz="1400">
+                        <a:sym typeface="+mn-ea"/>
+                      </a:endParaRPr>
+                    </a:p>
+                  </a:txBody>
+                  <a:tcPr/>
+                </a:tc>
+                <a:tc>
+                  <a:txBody>
+                    <a:bodyPr/>
+                    <a:p>
+                      <a:pPr>
+                        <a:buNone/>
+                      </a:pPr>
+                      <a:r>
+                        <a:rPr lang="zh-CN" altLang="en-US" sz="1400">
+                          <a:sym typeface="+mn-ea"/>
+                        </a:rPr>
+                        <a:t>hdp1.khala.com:50070</a:t>
+                      </a:r>
+                      <a:endParaRPr lang="zh-CN" altLang="en-US" sz="1400">
+                        <a:sym typeface="+mn-ea"/>
+                      </a:endParaRPr>
+                    </a:p>
+                  </a:txBody>
+                  <a:tcPr/>
+                </a:tc>
+                <a:tc rowSpan="2">
+                  <a:txBody>
+                    <a:bodyPr/>
+                    <a:p>
+                      <a:pPr>
+                        <a:buNone/>
+                      </a:pPr>
+                      <a:r>
+                        <a:rPr lang="zh-CN" altLang="en-US" sz="1400">
+                          <a:sym typeface="+mn-ea"/>
+                        </a:rPr>
+                        <a:t>hadoop-cluster的http通信地址</a:t>
+                      </a:r>
+                      <a:endParaRPr lang="zh-CN" altLang="en-US" sz="1400">
+                        <a:sym typeface="+mn-ea"/>
+                      </a:endParaRPr>
+                    </a:p>
+                  </a:txBody>
+                  <a:tcPr/>
+                </a:tc>
+              </a:tr>
+              <a:tr h="518160">
+                <a:tc>
+                  <a:txBody>
+                    <a:bodyPr/>
+                    <a:p>
+                      <a:pPr>
+                        <a:buNone/>
+                      </a:pPr>
+                      <a:r>
+                        <a:rPr lang="zh-CN" altLang="en-US" sz="1400">
+                          <a:sym typeface="+mn-ea"/>
+                        </a:rPr>
+                        <a:t>dfs.namenode.http-address.hadoop-cluster.nn32</a:t>
+                      </a:r>
+                      <a:endParaRPr lang="zh-CN" altLang="en-US" sz="1400">
+                        <a:sym typeface="+mn-ea"/>
+                      </a:endParaRPr>
+                    </a:p>
+                  </a:txBody>
+                  <a:tcPr/>
+                </a:tc>
+                <a:tc>
+                  <a:txBody>
+                    <a:bodyPr/>
+                    <a:p>
+                      <a:pPr>
+                        <a:buNone/>
+                      </a:pPr>
+                      <a:r>
+                        <a:rPr lang="zh-CN" altLang="en-US" sz="1400">
+                          <a:sym typeface="+mn-ea"/>
+                        </a:rPr>
+                        <a:t>hdp2.khala.com:50070</a:t>
+                      </a:r>
+                      <a:endParaRPr lang="zh-CN" altLang="en-US" sz="1400">
+                        <a:sym typeface="+mn-ea"/>
+                      </a:endParaRPr>
+                    </a:p>
+                  </a:txBody>
+                  <a:tcPr/>
+                </a:tc>
+                <a:tc vMerge="1">
+                  <a:tcPr/>
+                </a:tc>
+              </a:tr>
+              <a:tr h="824865">
+                <a:tc>
+                  <a:txBody>
+                    <a:bodyPr/>
+                    <a:p>
+                      <a:pPr>
+                        <a:buNone/>
+                      </a:pPr>
+                      <a:r>
+                        <a:rPr lang="zh-CN" altLang="en-US" sz="1400">
+                          <a:sym typeface="+mn-ea"/>
+                        </a:rPr>
+                        <a:t>dfs.namenode.shared.edits.dir</a:t>
+                      </a:r>
+                      <a:endParaRPr lang="zh-CN" altLang="en-US" sz="1400">
+                        <a:sym typeface="+mn-ea"/>
+                      </a:endParaRPr>
+                    </a:p>
+                  </a:txBody>
+                  <a:tcPr/>
+                </a:tc>
+                <a:tc>
+                  <a:txBody>
+                    <a:bodyPr/>
+                    <a:p>
+                      <a:pPr>
+                        <a:buNone/>
+                      </a:pPr>
+                      <a:r>
+                        <a:rPr lang="zh-CN" altLang="en-US" sz="1400">
+                          <a:sym typeface="+mn-ea"/>
+                        </a:rPr>
+                        <a:t>qjournal://hdp1.khala.com:8485;hdp2.khala.com:8485;hdp3.khala.com:8485/hadoop-cluster</a:t>
+                      </a:r>
+                      <a:endParaRPr lang="zh-CN" altLang="en-US" sz="1400">
+                        <a:sym typeface="+mn-ea"/>
+                      </a:endParaRPr>
+                    </a:p>
+                  </a:txBody>
+                  <a:tcPr/>
+                </a:tc>
+                <a:tc>
+                  <a:txBody>
+                    <a:bodyPr/>
+                    <a:p>
+                      <a:pPr>
+                        <a:buNone/>
+                      </a:pPr>
+                      <a:r>
+                        <a:rPr lang="zh-CN" altLang="en-US" sz="1400">
+                          <a:sym typeface="+mn-ea"/>
+                        </a:rPr>
+                        <a:t>指定NameNode的元数据在JournalNode上的存放位置</a:t>
+                      </a:r>
+                      <a:endParaRPr lang="zh-CN" altLang="en-US" sz="1400">
+                        <a:sym typeface="+mn-ea"/>
+                      </a:endParaRPr>
+                    </a:p>
+                  </a:txBody>
+                  <a:tcPr/>
+                </a:tc>
+              </a:tr>
+            </a:tbl>
+          </a:graphicData>
+        </a:graphic>
+      </p:graphicFrame>
     </p:spTree>
   </p:cSld>
   <p:clrMapOvr>
@@ -3683,38 +5605,791 @@
         </p:nvSpPr>
         <p:spPr/>
         <p:txBody>
-          <a:bodyPr>
-            <a:normAutofit/>
-          </a:bodyPr>
-          <a:p>
-            <a:r>
-              <a:rPr lang="en-US" altLang="zh-CN">
-                <a:sym typeface="+mn-ea"/>
-              </a:rPr>
-              <a:t>HDFS NameNode HA with NFS</a:t>
-            </a:r>
-            <a:endParaRPr lang="zh-CN" altLang="en-US"/>
-          </a:p>
-        </p:txBody>
-      </p:sp>
-      <p:sp>
-        <p:nvSpPr>
-          <p:cNvPr id="3" name="内容占位符 2"/>
-          <p:cNvSpPr>
-            <a:spLocks noGrp="1"/>
-          </p:cNvSpPr>
-          <p:nvPr>
-            <p:ph idx="1"/>
-          </p:nvPr>
-        </p:nvSpPr>
-        <p:spPr/>
-        <p:txBody>
-          <a:bodyPr/>
-          <a:p>
-            <a:endParaRPr lang="zh-CN" altLang="en-US"/>
-          </a:p>
-        </p:txBody>
-      </p:sp>
+          <a:bodyPr/>
+          <a:p>
+            <a:r>
+              <a:rPr lang="zh-CN" altLang="en-US"/>
+              <a:t>配置文件样例</a:t>
+            </a:r>
+            <a:r>
+              <a:rPr lang="en-US" altLang="zh-CN"/>
+              <a:t>:hdfs-site.xml</a:t>
+            </a:r>
+            <a:endParaRPr lang="en-US" altLang="zh-CN"/>
+          </a:p>
+        </p:txBody>
+      </p:sp>
+      <p:graphicFrame>
+        <p:nvGraphicFramePr>
+          <p:cNvPr id="10" name="表格 9"/>
+          <p:cNvGraphicFramePr/>
+          <p:nvPr/>
+        </p:nvGraphicFramePr>
+        <p:xfrm>
+          <a:off x="838200" y="1344930"/>
+          <a:ext cx="11038840" cy="5359400"/>
+        </p:xfrm>
+        <a:graphic>
+          <a:graphicData uri="http://schemas.openxmlformats.org/drawingml/2006/table">
+            <a:tbl>
+              <a:tblPr firstRow="1" bandRow="1">
+                <a:tableStyleId>{5C22544A-7EE6-4342-B048-85BDC9FD1C3A}</a:tableStyleId>
+              </a:tblPr>
+              <a:tblGrid>
+                <a:gridCol w="3738245"/>
+                <a:gridCol w="3246755"/>
+                <a:gridCol w="4053840"/>
+              </a:tblGrid>
+              <a:tr h="381000">
+                <a:tc>
+                  <a:txBody>
+                    <a:bodyPr/>
+                    <a:p>
+                      <a:pPr>
+                        <a:buNone/>
+                      </a:pPr>
+                      <a:r>
+                        <a:rPr lang="zh-CN" altLang="zh-CN"/>
+                        <a:t>属性名</a:t>
+                      </a:r>
+                      <a:endParaRPr lang="zh-CN" altLang="zh-CN"/>
+                    </a:p>
+                  </a:txBody>
+                  <a:tcPr/>
+                </a:tc>
+                <a:tc>
+                  <a:txBody>
+                    <a:bodyPr/>
+                    <a:p>
+                      <a:pPr>
+                        <a:buNone/>
+                      </a:pPr>
+                      <a:r>
+                        <a:rPr lang="zh-CN" altLang="en-US"/>
+                        <a:t>属性值</a:t>
+                      </a:r>
+                      <a:endParaRPr lang="zh-CN" altLang="en-US"/>
+                    </a:p>
+                  </a:txBody>
+                  <a:tcPr/>
+                </a:tc>
+                <a:tc>
+                  <a:txBody>
+                    <a:bodyPr/>
+                    <a:p>
+                      <a:pPr>
+                        <a:buNone/>
+                      </a:pPr>
+                      <a:r>
+                        <a:rPr lang="zh-CN" altLang="en-US"/>
+                        <a:t>说明</a:t>
+                      </a:r>
+                      <a:endParaRPr lang="zh-CN" altLang="en-US"/>
+                    </a:p>
+                  </a:txBody>
+                  <a:tcPr/>
+                </a:tc>
+              </a:tr>
+              <a:tr h="367665">
+                <a:tc>
+                  <a:txBody>
+                    <a:bodyPr/>
+                    <a:p>
+                      <a:pPr>
+                        <a:buNone/>
+                      </a:pPr>
+                      <a:r>
+                        <a:rPr lang="zh-CN" altLang="en-US" sz="1400">
+                          <a:sym typeface="+mn-ea"/>
+                        </a:rPr>
+                        <a:t>dfs.journalnode.edits.dir</a:t>
+                      </a:r>
+                      <a:endParaRPr lang="zh-CN" altLang="en-US" sz="1400">
+                        <a:sym typeface="+mn-ea"/>
+                      </a:endParaRPr>
+                    </a:p>
+                  </a:txBody>
+                  <a:tcPr/>
+                </a:tc>
+                <a:tc>
+                  <a:txBody>
+                    <a:bodyPr/>
+                    <a:p>
+                      <a:pPr>
+                        <a:buNone/>
+                      </a:pPr>
+                      <a:r>
+                        <a:rPr lang="zh-CN" altLang="en-US" sz="1400">
+                          <a:sym typeface="+mn-ea"/>
+                        </a:rPr>
+                        <a:t>/home/hadoop/softwares/hadoop-2.6.0/data/dfs/jn</a:t>
+                      </a:r>
+                      <a:endParaRPr lang="zh-CN" altLang="en-US" sz="1400">
+                        <a:sym typeface="+mn-ea"/>
+                      </a:endParaRPr>
+                    </a:p>
+                  </a:txBody>
+                  <a:tcPr/>
+                </a:tc>
+                <a:tc>
+                  <a:txBody>
+                    <a:bodyPr/>
+                    <a:p>
+                      <a:pPr>
+                        <a:buNone/>
+                      </a:pPr>
+                      <a:r>
+                        <a:rPr lang="zh-CN" altLang="en-US" sz="1400">
+                          <a:sym typeface="+mn-ea"/>
+                        </a:rPr>
+                        <a:t>指定JournalNode在本地磁盘存放数据的位置</a:t>
+                      </a:r>
+                      <a:endParaRPr lang="zh-CN" altLang="en-US" sz="1400">
+                        <a:sym typeface="+mn-ea"/>
+                      </a:endParaRPr>
+                    </a:p>
+                  </a:txBody>
+                  <a:tcPr/>
+                </a:tc>
+              </a:tr>
+              <a:tr h="367665">
+                <a:tc>
+                  <a:txBody>
+                    <a:bodyPr/>
+                    <a:p>
+                      <a:pPr>
+                        <a:buNone/>
+                      </a:pPr>
+                      <a:r>
+                        <a:rPr lang="zh-CN" altLang="en-US" sz="1400">
+                          <a:sym typeface="+mn-ea"/>
+                        </a:rPr>
+                        <a:t>dfs.client.failover.proxy.provider.hadoop-cluster</a:t>
+                      </a:r>
+                      <a:endParaRPr lang="zh-CN" altLang="en-US" sz="1400">
+                        <a:sym typeface="+mn-ea"/>
+                      </a:endParaRPr>
+                    </a:p>
+                  </a:txBody>
+                  <a:tcPr/>
+                </a:tc>
+                <a:tc>
+                  <a:txBody>
+                    <a:bodyPr/>
+                    <a:p>
+                      <a:pPr>
+                        <a:buNone/>
+                      </a:pPr>
+                      <a:r>
+                        <a:rPr lang="zh-CN" altLang="en-US" sz="1400">
+                          <a:sym typeface="+mn-ea"/>
+                        </a:rPr>
+                        <a:t>org.apache.hadoop.hdfs.server.namenode.ha.ConfiguredFailoverProxyProvider</a:t>
+                      </a:r>
+                      <a:endParaRPr lang="zh-CN" altLang="en-US" sz="1400">
+                        <a:sym typeface="+mn-ea"/>
+                      </a:endParaRPr>
+                    </a:p>
+                  </a:txBody>
+                  <a:tcPr/>
+                </a:tc>
+                <a:tc>
+                  <a:txBody>
+                    <a:bodyPr/>
+                    <a:p>
+                      <a:pPr>
+                        <a:buNone/>
+                      </a:pPr>
+                      <a:r>
+                        <a:rPr lang="zh-CN" altLang="en-US" sz="1400">
+                          <a:sym typeface="+mn-ea"/>
+                        </a:rPr>
+                        <a:t> 配置失败自动切换实现方式</a:t>
+                      </a:r>
+                      <a:endParaRPr lang="zh-CN" altLang="en-US" sz="1400">
+                        <a:sym typeface="+mn-ea"/>
+                      </a:endParaRPr>
+                    </a:p>
+                  </a:txBody>
+                  <a:tcPr/>
+                </a:tc>
+              </a:tr>
+              <a:tr h="360680">
+                <a:tc>
+                  <a:txBody>
+                    <a:bodyPr/>
+                    <a:p>
+                      <a:pPr>
+                        <a:buNone/>
+                      </a:pPr>
+                      <a:r>
+                        <a:rPr lang="zh-CN" altLang="en-US" sz="1400">
+                          <a:sym typeface="+mn-ea"/>
+                        </a:rPr>
+                        <a:t>dfs.ha.fencing.ssh.private-key-files</a:t>
+                      </a:r>
+                      <a:endParaRPr lang="zh-CN" altLang="en-US" sz="1400">
+                        <a:sym typeface="+mn-ea"/>
+                      </a:endParaRPr>
+                    </a:p>
+                  </a:txBody>
+                  <a:tcPr/>
+                </a:tc>
+                <a:tc>
+                  <a:txBody>
+                    <a:bodyPr/>
+                    <a:p>
+                      <a:pPr>
+                        <a:buNone/>
+                      </a:pPr>
+                      <a:r>
+                        <a:rPr lang="en-US" altLang="zh-CN" sz="1400">
+                          <a:sym typeface="+mn-ea"/>
+                        </a:rPr>
+                        <a:t>/home/hadoop</a:t>
+                      </a:r>
+                      <a:r>
+                        <a:rPr lang="zh-CN" altLang="en-US" sz="1400">
+                          <a:sym typeface="+mn-ea"/>
+                        </a:rPr>
+                        <a:t>/.ssh/id_rsa</a:t>
+                      </a:r>
+                      <a:endParaRPr lang="zh-CN" altLang="en-US" sz="1400">
+                        <a:sym typeface="+mn-ea"/>
+                      </a:endParaRPr>
+                    </a:p>
+                  </a:txBody>
+                  <a:tcPr/>
+                </a:tc>
+                <a:tc>
+                  <a:txBody>
+                    <a:bodyPr/>
+                    <a:p>
+                      <a:pPr>
+                        <a:buNone/>
+                      </a:pPr>
+                      <a:r>
+                        <a:rPr lang="zh-CN" altLang="en-US" sz="1400">
+                          <a:sym typeface="+mn-ea"/>
+                        </a:rPr>
+                        <a:t>使用sshfence隔离机制时需要ssh免登陆的位置</a:t>
+                      </a:r>
+                      <a:endParaRPr lang="zh-CN" altLang="en-US" sz="1400">
+                        <a:sym typeface="+mn-ea"/>
+                      </a:endParaRPr>
+                    </a:p>
+                  </a:txBody>
+                  <a:tcPr/>
+                </a:tc>
+              </a:tr>
+              <a:tr h="340995">
+                <a:tc>
+                  <a:txBody>
+                    <a:bodyPr/>
+                    <a:p>
+                      <a:pPr>
+                        <a:buNone/>
+                      </a:pPr>
+                      <a:r>
+                        <a:rPr lang="zh-CN" altLang="en-US" sz="1400">
+                          <a:sym typeface="+mn-ea"/>
+                        </a:rPr>
+                        <a:t>dfs.ha.automatic-failover.enabled</a:t>
+                      </a:r>
+                      <a:endParaRPr lang="zh-CN" altLang="en-US" sz="1400">
+                        <a:sym typeface="+mn-ea"/>
+                      </a:endParaRPr>
+                    </a:p>
+                  </a:txBody>
+                  <a:tcPr/>
+                </a:tc>
+                <a:tc>
+                  <a:txBody>
+                    <a:bodyPr/>
+                    <a:p>
+                      <a:pPr>
+                        <a:buNone/>
+                      </a:pPr>
+                      <a:r>
+                        <a:rPr lang="zh-CN" altLang="en-US" sz="1400">
+                          <a:sym typeface="+mn-ea"/>
+                        </a:rPr>
+                        <a:t>true</a:t>
+                      </a:r>
+                      <a:endParaRPr lang="zh-CN" altLang="en-US" sz="1400">
+                        <a:sym typeface="+mn-ea"/>
+                      </a:endParaRPr>
+                    </a:p>
+                  </a:txBody>
+                  <a:tcPr/>
+                </a:tc>
+                <a:tc>
+                  <a:txBody>
+                    <a:bodyPr/>
+                    <a:p>
+                      <a:pPr>
+                        <a:buNone/>
+                      </a:pPr>
+                      <a:r>
+                        <a:rPr lang="zh-CN" altLang="en-US" sz="1400">
+                          <a:sym typeface="+mn-ea"/>
+                        </a:rPr>
+                        <a:t>开启NameNode失败自动切换</a:t>
+                      </a:r>
+                      <a:endParaRPr lang="zh-CN" altLang="en-US" sz="1400">
+                        <a:sym typeface="+mn-ea"/>
+                      </a:endParaRPr>
+                    </a:p>
+                  </a:txBody>
+                  <a:tcPr/>
+                </a:tc>
+              </a:tr>
+              <a:tr h="381000">
+                <a:tc>
+                  <a:txBody>
+                    <a:bodyPr/>
+                    <a:p>
+                      <a:pPr>
+                        <a:buNone/>
+                      </a:pPr>
+                      <a:r>
+                        <a:rPr lang="zh-CN" altLang="en-US" sz="1400">
+                          <a:sym typeface="+mn-ea"/>
+                        </a:rPr>
+                        <a:t>dfs.namenode.name.dir</a:t>
+                      </a:r>
+                      <a:endParaRPr lang="zh-CN" altLang="en-US" sz="1400">
+                        <a:sym typeface="+mn-ea"/>
+                      </a:endParaRPr>
+                    </a:p>
+                  </a:txBody>
+                  <a:tcPr/>
+                </a:tc>
+                <a:tc>
+                  <a:txBody>
+                    <a:bodyPr/>
+                    <a:p>
+                      <a:pPr>
+                        <a:buNone/>
+                      </a:pPr>
+                      <a:r>
+                        <a:rPr lang="zh-CN" altLang="en-US" sz="1400">
+                          <a:sym typeface="+mn-ea"/>
+                        </a:rPr>
+                        <a:t>/home/hadoop/softwares/hadoop-2.6.0/data/dfs/nn/name</a:t>
+                      </a:r>
+                      <a:endParaRPr lang="zh-CN" altLang="en-US" sz="1400">
+                        <a:sym typeface="+mn-ea"/>
+                      </a:endParaRPr>
+                    </a:p>
+                  </a:txBody>
+                  <a:tcPr/>
+                </a:tc>
+                <a:tc>
+                  <a:txBody>
+                    <a:bodyPr/>
+                    <a:p>
+                      <a:pPr>
+                        <a:buNone/>
+                      </a:pPr>
+                      <a:r>
+                        <a:rPr lang="zh-CN" altLang="en-US" sz="1400">
+                          <a:sym typeface="+mn-ea"/>
+                        </a:rPr>
+                        <a:t>配置namenode的fsimage存储位置</a:t>
+                      </a:r>
+                      <a:endParaRPr lang="zh-CN" altLang="en-US" sz="1400">
+                        <a:sym typeface="+mn-ea"/>
+                      </a:endParaRPr>
+                    </a:p>
+                  </a:txBody>
+                  <a:tcPr/>
+                </a:tc>
+              </a:tr>
+              <a:tr h="508635">
+                <a:tc>
+                  <a:txBody>
+                    <a:bodyPr/>
+                    <a:p>
+                      <a:pPr>
+                        <a:buNone/>
+                      </a:pPr>
+                      <a:r>
+                        <a:rPr lang="zh-CN" altLang="en-US" sz="1400">
+                          <a:sym typeface="+mn-ea"/>
+                        </a:rPr>
+                        <a:t>dfs.namenode.edits.dir</a:t>
+                      </a:r>
+                      <a:endParaRPr lang="zh-CN" altLang="en-US" sz="1400">
+                        <a:sym typeface="+mn-ea"/>
+                      </a:endParaRPr>
+                    </a:p>
+                  </a:txBody>
+                  <a:tcPr/>
+                </a:tc>
+                <a:tc>
+                  <a:txBody>
+                    <a:bodyPr/>
+                    <a:p>
+                      <a:pPr>
+                        <a:buNone/>
+                      </a:pPr>
+                      <a:r>
+                        <a:rPr lang="zh-CN" altLang="en-US" sz="1400">
+                          <a:sym typeface="+mn-ea"/>
+                        </a:rPr>
+                        <a:t>/home/hadoop/softwares/hadoop-2.6.0/data/dfs/nn/edits</a:t>
+                      </a:r>
+                      <a:endParaRPr lang="zh-CN" altLang="en-US" sz="1400">
+                        <a:sym typeface="+mn-ea"/>
+                      </a:endParaRPr>
+                    </a:p>
+                  </a:txBody>
+                  <a:tcPr/>
+                </a:tc>
+                <a:tc>
+                  <a:txBody>
+                    <a:bodyPr/>
+                    <a:p>
+                      <a:pPr>
+                        <a:buNone/>
+                      </a:pPr>
+                      <a:r>
+                        <a:rPr lang="zh-CN" altLang="en-US" sz="1400">
+                          <a:sym typeface="+mn-ea"/>
+                        </a:rPr>
+                        <a:t>namenode的edits存储位置</a:t>
+                      </a:r>
+                      <a:endParaRPr lang="zh-CN" altLang="en-US" sz="1400">
+                        <a:sym typeface="+mn-ea"/>
+                      </a:endParaRPr>
+                    </a:p>
+                  </a:txBody>
+                  <a:tcPr/>
+                </a:tc>
+              </a:tr>
+              <a:tr h="534670">
+                <a:tc>
+                  <a:txBody>
+                    <a:bodyPr/>
+                    <a:p>
+                      <a:pPr>
+                        <a:buNone/>
+                      </a:pPr>
+                      <a:r>
+                        <a:rPr lang="zh-CN" altLang="en-US" sz="1400">
+                          <a:sym typeface="+mn-ea"/>
+                        </a:rPr>
+                        <a:t>dfs.namenode.checkpoint.dir</a:t>
+                      </a:r>
+                      <a:endParaRPr lang="zh-CN" altLang="en-US" sz="1400">
+                        <a:sym typeface="+mn-ea"/>
+                      </a:endParaRPr>
+                    </a:p>
+                    <a:p>
+                      <a:pPr>
+                        <a:buNone/>
+                      </a:pPr>
+                      <a:endParaRPr lang="zh-CN" altLang="en-US" sz="1400">
+                        <a:sym typeface="+mn-ea"/>
+                      </a:endParaRPr>
+                    </a:p>
+                  </a:txBody>
+                  <a:tcPr/>
+                </a:tc>
+                <a:tc>
+                  <a:txBody>
+                    <a:bodyPr/>
+                    <a:p>
+                      <a:pPr>
+                        <a:buNone/>
+                      </a:pPr>
+                      <a:r>
+                        <a:rPr lang="zh-CN" altLang="en-US" sz="1400">
+                          <a:sym typeface="+mn-ea"/>
+                        </a:rPr>
+                        <a:t>/home/hadoop/softwares/hadoop-2.6.0/data/snn/name</a:t>
+                      </a:r>
+                      <a:endParaRPr lang="zh-CN" altLang="en-US" sz="1400">
+                        <a:sym typeface="+mn-ea"/>
+                      </a:endParaRPr>
+                    </a:p>
+                  </a:txBody>
+                  <a:tcPr/>
+                </a:tc>
+                <a:tc>
+                  <a:txBody>
+                    <a:bodyPr/>
+                    <a:p>
+                      <a:pPr>
+                        <a:buNone/>
+                      </a:pPr>
+                      <a:r>
+                        <a:rPr lang="zh-CN" altLang="en-US" sz="1400">
+                          <a:sym typeface="+mn-ea"/>
+                        </a:rPr>
+                        <a:t>namenode的</a:t>
+                      </a:r>
+                      <a:r>
+                        <a:rPr lang="en-US" altLang="zh-CN" sz="1400">
+                          <a:sym typeface="+mn-ea"/>
+                        </a:rPr>
+                        <a:t>checkpoint</a:t>
+                      </a:r>
+                      <a:r>
+                        <a:rPr lang="zh-CN" altLang="en-US" sz="1400">
+                          <a:sym typeface="+mn-ea"/>
+                        </a:rPr>
+                        <a:t>存储位置</a:t>
+                      </a:r>
+                      <a:endParaRPr lang="zh-CN" altLang="en-US" sz="1400"/>
+                    </a:p>
+                    <a:p>
+                      <a:pPr>
+                        <a:buNone/>
+                      </a:pPr>
+                      <a:endParaRPr lang="zh-CN" altLang="en-US" sz="1400"/>
+                    </a:p>
+                  </a:txBody>
+                  <a:tcPr/>
+                </a:tc>
+              </a:tr>
+              <a:tr h="481965">
+                <a:tc>
+                  <a:txBody>
+                    <a:bodyPr/>
+                    <a:p>
+                      <a:pPr>
+                        <a:buNone/>
+                      </a:pPr>
+                      <a:r>
+                        <a:rPr lang="zh-CN" altLang="en-US" sz="1400">
+                          <a:sym typeface="+mn-ea"/>
+                        </a:rPr>
+                        <a:t>dfs.namenode.checkpoint.edits.dir</a:t>
+                      </a:r>
+                      <a:endParaRPr lang="zh-CN" altLang="en-US" sz="1400">
+                        <a:sym typeface="+mn-ea"/>
+                      </a:endParaRPr>
+                    </a:p>
+                  </a:txBody>
+                  <a:tcPr/>
+                </a:tc>
+                <a:tc>
+                  <a:txBody>
+                    <a:bodyPr/>
+                    <a:p>
+                      <a:pPr>
+                        <a:buNone/>
+                      </a:pPr>
+                      <a:r>
+                        <a:rPr lang="zh-CN" altLang="en-US" sz="1400">
+                          <a:sym typeface="+mn-ea"/>
+                        </a:rPr>
+                        <a:t>/home/hadoop/softwares/hadoop-2.6.0/data/snn/edits</a:t>
+                      </a:r>
+                      <a:endParaRPr lang="zh-CN" altLang="en-US" sz="1400">
+                        <a:sym typeface="+mn-ea"/>
+                      </a:endParaRPr>
+                    </a:p>
+                  </a:txBody>
+                  <a:tcPr/>
+                </a:tc>
+                <a:tc>
+                  <a:txBody>
+                    <a:bodyPr/>
+                    <a:p>
+                      <a:pPr>
+                        <a:buNone/>
+                      </a:pPr>
+                      <a:endParaRPr lang="zh-CN" altLang="en-US" sz="1400"/>
+                    </a:p>
+                  </a:txBody>
+                  <a:tcPr/>
+                </a:tc>
+              </a:tr>
+              <a:tr h="415925">
+                <a:tc>
+                  <a:txBody>
+                    <a:bodyPr/>
+                    <a:p>
+                      <a:pPr>
+                        <a:buNone/>
+                      </a:pPr>
+                      <a:r>
+                        <a:rPr lang="zh-CN" altLang="en-US" sz="1400">
+                          <a:sym typeface="+mn-ea"/>
+                        </a:rPr>
+                        <a:t>dfs.datanode.data.dir</a:t>
+                      </a:r>
+                      <a:endParaRPr lang="zh-CN" altLang="en-US" sz="1400">
+                        <a:sym typeface="+mn-ea"/>
+                      </a:endParaRPr>
+                    </a:p>
+                  </a:txBody>
+                  <a:tcPr/>
+                </a:tc>
+                <a:tc>
+                  <a:txBody>
+                    <a:bodyPr/>
+                    <a:p>
+                      <a:pPr>
+                        <a:buNone/>
+                      </a:pPr>
+                      <a:r>
+                        <a:rPr lang="zh-CN" altLang="en-US" sz="1400">
+                          <a:sym typeface="+mn-ea"/>
+                        </a:rPr>
+                        <a:t>/home/hadoop/softwares/hadoop-2.6.0/data/dfs/dn</a:t>
+                      </a:r>
+                      <a:endParaRPr lang="zh-CN" altLang="en-US" sz="1400">
+                        <a:sym typeface="+mn-ea"/>
+                      </a:endParaRPr>
+                    </a:p>
+                  </a:txBody>
+                  <a:tcPr/>
+                </a:tc>
+                <a:tc>
+                  <a:txBody>
+                    <a:bodyPr/>
+                    <a:p>
+                      <a:pPr>
+                        <a:buNone/>
+                      </a:pPr>
+                      <a:r>
+                        <a:rPr lang="zh-CN" altLang="en-US" sz="1400">
+                          <a:sym typeface="+mn-ea"/>
+                        </a:rPr>
+                        <a:t>datanode上block块的存储位置</a:t>
+                      </a:r>
+                      <a:endParaRPr lang="zh-CN" altLang="en-US" sz="1400">
+                        <a:sym typeface="+mn-ea"/>
+                      </a:endParaRPr>
+                    </a:p>
+                  </a:txBody>
+                  <a:tcPr/>
+                </a:tc>
+              </a:tr>
+              <a:tr h="233680">
+                <a:tc>
+                  <a:txBody>
+                    <a:bodyPr/>
+                    <a:p>
+                      <a:pPr>
+                        <a:buNone/>
+                      </a:pPr>
+                      <a:r>
+                        <a:rPr lang="zh-CN" altLang="en-US" sz="1400">
+                          <a:sym typeface="+mn-ea"/>
+                        </a:rPr>
+                        <a:t>dfs.permissions.enabled</a:t>
+                      </a:r>
+                      <a:endParaRPr lang="zh-CN" altLang="en-US" sz="1400">
+                        <a:sym typeface="+mn-ea"/>
+                      </a:endParaRPr>
+                    </a:p>
+                  </a:txBody>
+                  <a:tcPr/>
+                </a:tc>
+                <a:tc>
+                  <a:txBody>
+                    <a:bodyPr/>
+                    <a:p>
+                      <a:pPr>
+                        <a:buNone/>
+                      </a:pPr>
+                      <a:r>
+                        <a:rPr lang="zh-CN" altLang="en-US" sz="1400">
+                          <a:sym typeface="+mn-ea"/>
+                        </a:rPr>
+                        <a:t>false</a:t>
+                      </a:r>
+                      <a:endParaRPr lang="zh-CN" altLang="en-US" sz="1400">
+                        <a:sym typeface="+mn-ea"/>
+                      </a:endParaRPr>
+                    </a:p>
+                  </a:txBody>
+                  <a:tcPr/>
+                </a:tc>
+                <a:tc>
+                  <a:txBody>
+                    <a:bodyPr/>
+                    <a:p>
+                      <a:pPr>
+                        <a:buNone/>
+                      </a:pPr>
+                      <a:r>
+                        <a:rPr lang="zh-CN" altLang="en-US" sz="1400"/>
+                        <a:t>不检查权限</a:t>
+                      </a:r>
+                      <a:endParaRPr lang="zh-CN" altLang="en-US" sz="1400"/>
+                    </a:p>
+                  </a:txBody>
+                  <a:tcPr/>
+                </a:tc>
+              </a:tr>
+              <a:tr h="328295">
+                <a:tc>
+                  <a:txBody>
+                    <a:bodyPr/>
+                    <a:p>
+                      <a:pPr>
+                        <a:buNone/>
+                      </a:pPr>
+                      <a:r>
+                        <a:rPr lang="zh-CN" altLang="en-US" sz="1400"/>
+                        <a:t>dfs.replication</a:t>
+                      </a:r>
+                      <a:endParaRPr lang="zh-CN" altLang="en-US" sz="1400"/>
+                    </a:p>
+                  </a:txBody>
+                  <a:tcPr/>
+                </a:tc>
+                <a:tc>
+                  <a:txBody>
+                    <a:bodyPr/>
+                    <a:p>
+                      <a:pPr>
+                        <a:buNone/>
+                      </a:pPr>
+                      <a:r>
+                        <a:rPr lang="en-US" altLang="zh-CN" sz="1400"/>
+                        <a:t>2</a:t>
+                      </a:r>
+                      <a:endParaRPr lang="en-US" altLang="zh-CN" sz="1400"/>
+                    </a:p>
+                  </a:txBody>
+                  <a:tcPr/>
+                </a:tc>
+                <a:tc>
+                  <a:txBody>
+                    <a:bodyPr/>
+                    <a:p>
+                      <a:pPr>
+                        <a:buNone/>
+                      </a:pPr>
+                      <a:r>
+                        <a:rPr lang="zh-CN" altLang="zh-CN" sz="1400"/>
+                        <a:t>复制</a:t>
+                      </a:r>
+                      <a:r>
+                        <a:rPr lang="en-US" altLang="zh-CN" sz="1400"/>
+                        <a:t>2</a:t>
+                      </a:r>
+                      <a:r>
+                        <a:rPr lang="zh-CN" altLang="en-US" sz="1400"/>
+                        <a:t>份</a:t>
+                      </a:r>
+                      <a:endParaRPr lang="zh-CN" altLang="en-US" sz="1400"/>
+                    </a:p>
+                  </a:txBody>
+                  <a:tcPr/>
+                </a:tc>
+              </a:tr>
+            </a:tbl>
+          </a:graphicData>
+        </a:graphic>
+      </p:graphicFrame>
     </p:spTree>
   </p:cSld>
   <p:clrMapOvr>
@@ -3746,35 +6421,332 @@
         <p:spPr/>
         <p:txBody>
           <a:bodyPr>
-            <a:normAutofit fontScale="90000"/>
+            <a:normAutofit/>
           </a:bodyPr>
           <a:p>
             <a:r>
-              <a:rPr lang="en-US" altLang="zh-CN"/>
-              <a:t>MapReduce</a:t>
-            </a:r>
-            <a:br>
-              <a:rPr lang="en-US" altLang="zh-CN"/>
-            </a:br>
-            <a:endParaRPr lang="en-US" altLang="zh-CN"/>
-          </a:p>
-        </p:txBody>
-      </p:sp>
-      <p:sp>
-        <p:nvSpPr>
-          <p:cNvPr id="3" name="内容占位符 2"/>
-          <p:cNvSpPr>
-            <a:spLocks noGrp="1"/>
-          </p:cNvSpPr>
-          <p:nvPr>
-            <p:ph idx="1"/>
-          </p:nvPr>
-        </p:nvSpPr>
-        <p:spPr/>
-        <p:txBody>
-          <a:bodyPr/>
-          <a:p>
-            <a:endParaRPr lang="zh-CN" altLang="en-US"/>
+              <a:rPr lang="zh-CN" altLang="en-US">
+                <a:sym typeface="+mn-ea"/>
+              </a:rPr>
+              <a:t>配置文件样例</a:t>
+            </a:r>
+            <a:r>
+              <a:rPr lang="en-US" altLang="zh-CN">
+                <a:sym typeface="+mn-ea"/>
+              </a:rPr>
+              <a:t>:hdfs-site.xml</a:t>
+            </a:r>
+            <a:endParaRPr lang="zh-CN" altLang="en-US"/>
+          </a:p>
+        </p:txBody>
+      </p:sp>
+      <p:sp>
+        <p:nvSpPr>
+          <p:cNvPr id="4" name="文本框 3"/>
+          <p:cNvSpPr txBox="1"/>
+          <p:nvPr/>
+        </p:nvSpPr>
+        <p:spPr>
+          <a:xfrm>
+            <a:off x="7543165" y="672465"/>
+            <a:ext cx="4120515" cy="5908040"/>
+          </a:xfrm>
+          <a:prstGeom prst="rect">
+            <a:avLst/>
+          </a:prstGeom>
+          <a:noFill/>
+        </p:spPr>
+        <p:txBody>
+          <a:bodyPr wrap="square" rtlCol="0" anchor="t">
+            <a:spAutoFit/>
+          </a:bodyPr>
+          <a:p>
+            <a:pPr algn="l"/>
+            <a:r>
+              <a:rPr lang="zh-CN" altLang="en-US" sz="1400">
+                <a:sym typeface="+mn-ea"/>
+              </a:rPr>
+              <a:t> &lt;!-- --&gt;</a:t>
+            </a:r>
+            <a:endParaRPr lang="zh-CN" altLang="en-US" sz="1400">
+              <a:sym typeface="+mn-ea"/>
+            </a:endParaRPr>
+          </a:p>
+          <a:p>
+            <a:pPr algn="l"/>
+            <a:r>
+              <a:rPr lang="zh-CN" altLang="en-US" sz="1400">
+                <a:sym typeface="+mn-ea"/>
+              </a:rPr>
+              <a:t>            &lt;property&gt;</a:t>
+            </a:r>
+            <a:endParaRPr lang="zh-CN" altLang="en-US" sz="1400">
+              <a:sym typeface="+mn-ea"/>
+            </a:endParaRPr>
+          </a:p>
+          <a:p>
+            <a:pPr algn="l"/>
+            <a:r>
+              <a:rPr lang="zh-CN" altLang="en-US" sz="1400">
+                <a:sym typeface="+mn-ea"/>
+              </a:rPr>
+              <a:t>            &lt;name&gt;&lt;/name&gt;</a:t>
+            </a:r>
+            <a:endParaRPr lang="zh-CN" altLang="en-US" sz="1400">
+              <a:sym typeface="+mn-ea"/>
+            </a:endParaRPr>
+          </a:p>
+          <a:p>
+            <a:pPr algn="l"/>
+            <a:r>
+              <a:rPr lang="zh-CN" altLang="en-US" sz="1400">
+                <a:sym typeface="+mn-ea"/>
+              </a:rPr>
+              <a:t>            &lt;value&gt;&lt;/value&gt;</a:t>
+            </a:r>
+            <a:endParaRPr lang="zh-CN" altLang="en-US" sz="1400">
+              <a:sym typeface="+mn-ea"/>
+            </a:endParaRPr>
+          </a:p>
+          <a:p>
+            <a:pPr algn="l"/>
+            <a:r>
+              <a:rPr lang="zh-CN" altLang="en-US" sz="1400">
+                <a:sym typeface="+mn-ea"/>
+              </a:rPr>
+              <a:t>            &lt;/property&gt;</a:t>
+            </a:r>
+            <a:endParaRPr lang="zh-CN" altLang="en-US" sz="1400">
+              <a:sym typeface="+mn-ea"/>
+            </a:endParaRPr>
+          </a:p>
+          <a:p>
+            <a:pPr algn="l"/>
+            <a:r>
+              <a:rPr lang="zh-CN" altLang="en-US" sz="1400">
+                <a:sym typeface="+mn-ea"/>
+              </a:rPr>
+              <a:t>            &lt;property&gt;</a:t>
+            </a:r>
+            <a:endParaRPr lang="zh-CN" altLang="en-US" sz="1400">
+              <a:sym typeface="+mn-ea"/>
+            </a:endParaRPr>
+          </a:p>
+          <a:p>
+            <a:pPr algn="l"/>
+            <a:r>
+              <a:rPr lang="zh-CN" altLang="en-US" sz="1400">
+                <a:sym typeface="+mn-ea"/>
+              </a:rPr>
+              <a:t>            &lt;name&gt;dfs.namenode.checkpoint.dir&lt;/name&gt;</a:t>
+            </a:r>
+            <a:endParaRPr lang="zh-CN" altLang="en-US" sz="1400">
+              <a:sym typeface="+mn-ea"/>
+            </a:endParaRPr>
+          </a:p>
+          <a:p>
+            <a:pPr algn="l"/>
+            <a:r>
+              <a:rPr lang="zh-CN" altLang="en-US" sz="1400">
+                <a:sym typeface="+mn-ea"/>
+              </a:rPr>
+              <a:t>            &lt;value&gt;/home/hadoop/softwares/hadoop-2.6.0/data/snn/name&lt;/value&gt;</a:t>
+            </a:r>
+            <a:endParaRPr lang="zh-CN" altLang="en-US" sz="1400">
+              <a:sym typeface="+mn-ea"/>
+            </a:endParaRPr>
+          </a:p>
+          <a:p>
+            <a:pPr algn="l"/>
+            <a:r>
+              <a:rPr lang="zh-CN" altLang="en-US" sz="1400">
+                <a:sym typeface="+mn-ea"/>
+              </a:rPr>
+              <a:t>            &lt;/property&gt;</a:t>
+            </a:r>
+            <a:endParaRPr lang="zh-CN" altLang="en-US" sz="1400">
+              <a:sym typeface="+mn-ea"/>
+            </a:endParaRPr>
+          </a:p>
+          <a:p>
+            <a:pPr algn="l"/>
+            <a:r>
+              <a:rPr lang="zh-CN" altLang="en-US" sz="1400">
+                <a:sym typeface="+mn-ea"/>
+              </a:rPr>
+              <a:t>            &lt;property&gt;</a:t>
+            </a:r>
+            <a:endParaRPr lang="zh-CN" altLang="en-US" sz="1400">
+              <a:sym typeface="+mn-ea"/>
+            </a:endParaRPr>
+          </a:p>
+          <a:p>
+            <a:pPr algn="l"/>
+            <a:r>
+              <a:rPr lang="zh-CN" altLang="en-US" sz="1400">
+                <a:sym typeface="+mn-ea"/>
+              </a:rPr>
+              <a:t>            &lt;name&gt;dfs.namenode.checkpoint.edits.dir&lt;/name&gt;</a:t>
+            </a:r>
+            <a:endParaRPr lang="zh-CN" altLang="en-US" sz="1400">
+              <a:sym typeface="+mn-ea"/>
+            </a:endParaRPr>
+          </a:p>
+          <a:p>
+            <a:pPr algn="l"/>
+            <a:r>
+              <a:rPr lang="zh-CN" altLang="en-US" sz="1400">
+                <a:sym typeface="+mn-ea"/>
+              </a:rPr>
+              <a:t>            &lt;value&gt;/home/hadoop/softwares/hadoop-2.6.0/data/snn/edits&lt;/value&gt;</a:t>
+            </a:r>
+            <a:endParaRPr lang="zh-CN" altLang="en-US" sz="1400">
+              <a:sym typeface="+mn-ea"/>
+            </a:endParaRPr>
+          </a:p>
+          <a:p>
+            <a:pPr algn="l"/>
+            <a:r>
+              <a:rPr lang="zh-CN" altLang="en-US" sz="1400">
+                <a:sym typeface="+mn-ea"/>
+              </a:rPr>
+              <a:t>            &lt;/property&gt;</a:t>
+            </a:r>
+            <a:endParaRPr lang="zh-CN" altLang="en-US" sz="1400">
+              <a:sym typeface="+mn-ea"/>
+            </a:endParaRPr>
+          </a:p>
+          <a:p>
+            <a:pPr algn="l"/>
+            <a:r>
+              <a:rPr lang="zh-CN" altLang="en-US" sz="1400">
+                <a:sym typeface="+mn-ea"/>
+              </a:rPr>
+              <a:t>            &lt;!--不检查权限--&gt;</a:t>
+            </a:r>
+            <a:endParaRPr lang="zh-CN" altLang="en-US" sz="1400">
+              <a:sym typeface="+mn-ea"/>
+            </a:endParaRPr>
+          </a:p>
+          <a:p>
+            <a:pPr algn="l"/>
+            <a:r>
+              <a:rPr lang="zh-CN" altLang="en-US" sz="1400">
+                <a:sym typeface="+mn-ea"/>
+              </a:rPr>
+              <a:t>            &lt;property&gt;</a:t>
+            </a:r>
+            <a:endParaRPr lang="zh-CN" altLang="en-US" sz="1400">
+              <a:sym typeface="+mn-ea"/>
+            </a:endParaRPr>
+          </a:p>
+          <a:p>
+            <a:pPr algn="l"/>
+            <a:r>
+              <a:rPr lang="zh-CN" altLang="en-US" sz="1400">
+                <a:sym typeface="+mn-ea"/>
+              </a:rPr>
+              <a:t>            &lt;name&gt;dfs.permissions.enabled&lt;/name&gt;</a:t>
+            </a:r>
+            <a:endParaRPr lang="zh-CN" altLang="en-US" sz="1400">
+              <a:sym typeface="+mn-ea"/>
+            </a:endParaRPr>
+          </a:p>
+          <a:p>
+            <a:pPr algn="l"/>
+            <a:r>
+              <a:rPr lang="zh-CN" altLang="en-US" sz="1400">
+                <a:sym typeface="+mn-ea"/>
+              </a:rPr>
+              <a:t>            &lt;value&gt;false&lt;/value&gt;</a:t>
+            </a:r>
+            <a:endParaRPr lang="zh-CN" altLang="en-US" sz="1400">
+              <a:sym typeface="+mn-ea"/>
+            </a:endParaRPr>
+          </a:p>
+          <a:p>
+            <a:pPr algn="l"/>
+            <a:r>
+              <a:rPr lang="zh-CN" altLang="en-US" sz="1400">
+                <a:sym typeface="+mn-ea"/>
+              </a:rPr>
+              <a:t>            &lt;/property&gt;</a:t>
+            </a:r>
+            <a:endParaRPr lang="zh-CN" altLang="en-US" sz="1400">
+              <a:sym typeface="+mn-ea"/>
+            </a:endParaRPr>
+          </a:p>
+          <a:p>
+            <a:pPr algn="l"/>
+            <a:r>
+              <a:rPr lang="zh-CN" altLang="en-US" sz="1400">
+                <a:sym typeface="+mn-ea"/>
+              </a:rPr>
+              <a:t>            &lt;!-- 备份2份 --&gt;</a:t>
+            </a:r>
+            <a:endParaRPr lang="zh-CN" altLang="en-US" sz="1400">
+              <a:sym typeface="+mn-ea"/>
+            </a:endParaRPr>
+          </a:p>
+          <a:p>
+            <a:pPr algn="l"/>
+            <a:r>
+              <a:rPr lang="zh-CN" altLang="en-US" sz="1400">
+                <a:sym typeface="+mn-ea"/>
+              </a:rPr>
+              <a:t>            &lt;property&gt;</a:t>
+            </a:r>
+            <a:endParaRPr lang="zh-CN" altLang="en-US" sz="1400">
+              <a:sym typeface="+mn-ea"/>
+            </a:endParaRPr>
+          </a:p>
+          <a:p>
+            <a:pPr algn="l"/>
+            <a:r>
+              <a:rPr lang="zh-CN" altLang="en-US" sz="1400">
+                <a:sym typeface="+mn-ea"/>
+              </a:rPr>
+              <a:t>            &lt;name&gt;dfs.replication&lt;/name&gt;</a:t>
+            </a:r>
+            <a:endParaRPr lang="zh-CN" altLang="en-US" sz="1400">
+              <a:sym typeface="+mn-ea"/>
+            </a:endParaRPr>
+          </a:p>
+          <a:p>
+            <a:pPr algn="l"/>
+            <a:r>
+              <a:rPr lang="zh-CN" altLang="en-US" sz="1400">
+                <a:sym typeface="+mn-ea"/>
+              </a:rPr>
+              <a:t>            &lt;value&gt;2&lt;/value&gt;</a:t>
+            </a:r>
+            <a:endParaRPr lang="zh-CN" altLang="en-US" sz="1400">
+              <a:sym typeface="+mn-ea"/>
+            </a:endParaRPr>
+          </a:p>
+          <a:p>
+            <a:pPr algn="l"/>
+            <a:r>
+              <a:rPr lang="zh-CN" altLang="en-US" sz="1400">
+                <a:sym typeface="+mn-ea"/>
+              </a:rPr>
+              <a:t>            &lt;/property&gt; </a:t>
+            </a:r>
+            <a:endParaRPr lang="zh-CN" altLang="en-US" sz="1400">
+              <a:sym typeface="+mn-ea"/>
+            </a:endParaRPr>
+          </a:p>
+          <a:p>
+            <a:pPr algn="l"/>
+            <a:r>
+              <a:rPr lang="zh-CN" altLang="en-US" sz="1400">
+                <a:sym typeface="+mn-ea"/>
+              </a:rPr>
+              <a:t>            &lt;/configuration&gt;</a:t>
+            </a:r>
+            <a:endParaRPr lang="zh-CN" altLang="en-US" sz="1400">
+              <a:sym typeface="+mn-ea"/>
+            </a:endParaRPr>
           </a:p>
         </p:txBody>
       </p:sp>
@@ -3811,21 +6783,43 @@
           <a:bodyPr/>
           <a:p>
             <a:r>
+              <a:rPr lang="zh-CN" altLang="en-US"/>
+              <a:t>配置文件样例</a:t>
+            </a:r>
+            <a:r>
               <a:rPr lang="en-US" altLang="zh-CN"/>
-              <a:t>YARN</a:t>
+              <a:t>: mapred-site.xm</a:t>
             </a:r>
             <a:endParaRPr lang="en-US" altLang="zh-CN"/>
           </a:p>
         </p:txBody>
       </p:sp>
-      <p:sp>
-        <p:nvSpPr>
-          <p:cNvPr id="3" name="内容占位符 2"/>
-          <p:cNvSpPr>
-            <a:spLocks noGrp="1"/>
-          </p:cNvSpPr>
-          <p:nvPr>
-            <p:ph idx="1"/>
+    </p:spTree>
+  </p:cSld>
+  <p:clrMapOvr>
+    <a:masterClrMapping/>
+  </p:clrMapOvr>
+</p:sld>
+</file>
+
+<file path=ppt/slides/slide9.xml><?xml version="1.0" encoding="utf-8"?>
+<p:sld xmlns:a="http://schemas.openxmlformats.org/drawingml/2006/main" xmlns:r="http://schemas.openxmlformats.org/officeDocument/2006/relationships" xmlns:p="http://schemas.openxmlformats.org/presentationml/2006/main">
+  <p:cSld>
+    <p:spTree>
+      <p:nvGrpSpPr>
+        <p:cNvPr id="1" name=""/>
+        <p:cNvGrpSpPr/>
+        <p:nvPr/>
+      </p:nvGrpSpPr>
+      <p:grpSpPr/>
+      <p:sp>
+        <p:nvSpPr>
+          <p:cNvPr id="2" name="标题 1"/>
+          <p:cNvSpPr>
+            <a:spLocks noGrp="1"/>
+          </p:cNvSpPr>
+          <p:nvPr>
+            <p:ph type="title"/>
           </p:nvPr>
         </p:nvSpPr>
         <p:spPr/>
@@ -3834,9 +6828,13 @@
           <a:p>
             <a:r>
               <a:rPr lang="zh-CN" altLang="en-US"/>
-              <a:t> JobTracker 在 2.0 中已经被整合到 YARN ResourceManger 之中</a:t>
-            </a:r>
-            <a:endParaRPr lang="zh-CN" altLang="en-US"/>
+              <a:t>配置文件样例</a:t>
+            </a:r>
+            <a:r>
+              <a:rPr lang="en-US" altLang="zh-CN"/>
+              <a:t>: yarn-site.xm</a:t>
+            </a:r>
+            <a:endParaRPr lang="en-US" altLang="zh-CN"/>
           </a:p>
         </p:txBody>
       </p:sp>
@@ -4099,8 +7097,6 @@
       </a:bgFillStyleLst>
     </a:fmtScheme>
   </a:themeElements>
-  <a:objectDefaults/>
-  <a:extraClrSchemeLst/>
   <a:extLst>
     <a:ext uri="{05A4C25C-085E-4340-85A3-A5531E510DB2}">
       <thm15:themeFamily xmlns:thm15="http://schemas.microsoft.com/office/thememl/2012/main" name="Office Theme" id="{62F939B6-93AF-4DB8-9C6B-D6C7DFDC589F}" vid="{4A3C46E8-61CC-4603-A589-7422A47A8E4A}"/>
@@ -4360,8 +7356,6 @@
       </a:bgFillStyleLst>
     </a:fmtScheme>
   </a:themeElements>
-  <a:objectDefaults/>
-  <a:extraClrSchemeLst/>
   <a:extLst>
     <a:ext uri="{05A4C25C-085E-4340-85A3-A5531E510DB2}">
       <thm15:themeFamily xmlns:thm15="http://schemas.microsoft.com/office/thememl/2012/main" name="Office Theme" id="{62F939B6-93AF-4DB8-9C6B-D6C7DFDC589F}" vid="{4A3C46E8-61CC-4603-A589-7422A47A8E4A}"/>
